--- a/ProjectDocs/Final Presentation.pptx
+++ b/ProjectDocs/Final Presentation.pptx
@@ -232,7 +232,7 @@
           <a:bodyPr lIns="0" rIns="0" tIns="0" bIns="0" anchor="b"/>
           <a:p>
             <a:pPr algn="r"/>
-            <a:fld id="{E4D055C1-AB3D-4F71-88D0-DC0A33840FF5}" type="slidenum">
+            <a:fld id="{B0E5120D-A6E0-4B84-A10A-3C62692669D5}" type="slidenum">
               <a:rPr b="0" lang="en-IE" sz="1400" spc="-1" strike="noStrike">
                 <a:latin typeface="Times New Roman"/>
               </a:rPr>
@@ -269,7 +269,7 @@
       </p:grpSpPr>
       <p:sp>
         <p:nvSpPr>
-          <p:cNvPr id="112" name="PlaceHolder 1"/>
+          <p:cNvPr id="121" name="PlaceHolder 1"/>
           <p:cNvSpPr>
             <a:spLocks noGrp="1"/>
           </p:cNvSpPr>
@@ -280,16 +280,16 @@
         <p:spPr>
           <a:xfrm>
             <a:off x="533520" y="764280"/>
-            <a:ext cx="6704280" cy="3771000"/>
-          </a:xfrm>
-          <a:prstGeom prst="rect">
-            <a:avLst/>
-          </a:prstGeom>
-        </p:spPr>
-      </p:sp>
-      <p:sp>
-        <p:nvSpPr>
-          <p:cNvPr id="113" name="PlaceHolder 2"/>
+            <a:ext cx="6703920" cy="3770640"/>
+          </a:xfrm>
+          <a:prstGeom prst="rect">
+            <a:avLst/>
+          </a:prstGeom>
+        </p:spPr>
+      </p:sp>
+      <p:sp>
+        <p:nvSpPr>
+          <p:cNvPr id="122" name="PlaceHolder 2"/>
           <p:cNvSpPr>
             <a:spLocks noGrp="1"/>
           </p:cNvSpPr>
@@ -300,7 +300,7 @@
         <p:spPr>
           <a:xfrm>
             <a:off x="777240" y="4608000"/>
-            <a:ext cx="6494400" cy="7223040"/>
+            <a:ext cx="6494040" cy="7222680"/>
           </a:xfrm>
           <a:prstGeom prst="rect">
             <a:avLst/>
@@ -309,7 +309,7 @@
         <p:txBody>
           <a:bodyPr lIns="0" rIns="0" tIns="0" bIns="0"/>
           <a:p>
-            <a:pPr marL="216000" indent="-216000">
+            <a:pPr marL="216000" indent="-215640">
               <a:lnSpc>
                 <a:spcPct val="100000"/>
               </a:lnSpc>
@@ -325,7 +325,7 @@
             </a:endParaRPr>
           </a:p>
           <a:p>
-            <a:pPr marL="216000" indent="-216000">
+            <a:pPr marL="216000" indent="-215640">
               <a:lnSpc>
                 <a:spcPct val="100000"/>
               </a:lnSpc>
@@ -341,7 +341,7 @@
             </a:endParaRPr>
           </a:p>
           <a:p>
-            <a:pPr marL="216000" indent="-216000">
+            <a:pPr marL="216000" indent="-215640">
               <a:lnSpc>
                 <a:spcPct val="100000"/>
               </a:lnSpc>
@@ -357,7 +357,7 @@
             </a:endParaRPr>
           </a:p>
           <a:p>
-            <a:pPr marL="216000" indent="-216000">
+            <a:pPr marL="216000" indent="-215640">
               <a:lnSpc>
                 <a:spcPct val="100000"/>
               </a:lnSpc>
@@ -373,7 +373,7 @@
             </a:endParaRPr>
           </a:p>
           <a:p>
-            <a:pPr marL="216000" indent="-216000">
+            <a:pPr marL="216000" indent="-215640">
               <a:lnSpc>
                 <a:spcPct val="100000"/>
               </a:lnSpc>
@@ -389,7 +389,7 @@
             </a:endParaRPr>
           </a:p>
           <a:p>
-            <a:pPr marL="216000" indent="-216000">
+            <a:pPr marL="216000" indent="-215640">
               <a:lnSpc>
                 <a:spcPct val="100000"/>
               </a:lnSpc>
@@ -405,7 +405,7 @@
             </a:endParaRPr>
           </a:p>
           <a:p>
-            <a:pPr marL="216000" indent="-216000">
+            <a:pPr marL="216000" indent="-215640">
               <a:lnSpc>
                 <a:spcPct val="100000"/>
               </a:lnSpc>
@@ -421,7 +421,7 @@
             </a:endParaRPr>
           </a:p>
           <a:p>
-            <a:pPr marL="216000" indent="-216000">
+            <a:pPr marL="216000" indent="-215640">
               <a:lnSpc>
                 <a:spcPct val="100000"/>
               </a:lnSpc>
@@ -431,7 +431,7 @@
             </a:endParaRPr>
           </a:p>
           <a:p>
-            <a:pPr marL="216000" indent="-216000">
+            <a:pPr marL="216000" indent="-215640">
               <a:lnSpc>
                 <a:spcPct val="100000"/>
               </a:lnSpc>
@@ -447,7 +447,7 @@
             </a:endParaRPr>
           </a:p>
           <a:p>
-            <a:pPr marL="216000" indent="-216000">
+            <a:pPr marL="216000" indent="-215640">
               <a:lnSpc>
                 <a:spcPct val="100000"/>
               </a:lnSpc>
@@ -469,7 +469,7 @@
             </a:endParaRPr>
           </a:p>
           <a:p>
-            <a:pPr marL="216000" indent="-216000">
+            <a:pPr marL="216000" indent="-215640">
               <a:lnSpc>
                 <a:spcPct val="100000"/>
               </a:lnSpc>
@@ -497,7 +497,7 @@
             </a:endParaRPr>
           </a:p>
           <a:p>
-            <a:pPr marL="216000" indent="-216000">
+            <a:pPr marL="216000" indent="-215640">
               <a:lnSpc>
                 <a:spcPct val="100000"/>
               </a:lnSpc>
@@ -525,7 +525,7 @@
             </a:endParaRPr>
           </a:p>
           <a:p>
-            <a:pPr marL="216000" indent="-216000">
+            <a:pPr marL="216000" indent="-215640">
               <a:lnSpc>
                 <a:spcPct val="100000"/>
               </a:lnSpc>
@@ -553,7 +553,7 @@
             </a:endParaRPr>
           </a:p>
           <a:p>
-            <a:pPr marL="216000" indent="-216000">
+            <a:pPr marL="216000" indent="-215640">
               <a:lnSpc>
                 <a:spcPct val="100000"/>
               </a:lnSpc>
@@ -581,7 +581,7 @@
             </a:endParaRPr>
           </a:p>
           <a:p>
-            <a:pPr marL="216000" indent="-216000">
+            <a:pPr marL="216000" indent="-215640">
               <a:lnSpc>
                 <a:spcPct val="100000"/>
               </a:lnSpc>
@@ -609,7 +609,7 @@
             </a:endParaRPr>
           </a:p>
           <a:p>
-            <a:pPr marL="216000" indent="-216000">
+            <a:pPr marL="216000" indent="-215640">
               <a:lnSpc>
                 <a:spcPct val="100000"/>
               </a:lnSpc>
@@ -631,7 +631,7 @@
             </a:endParaRPr>
           </a:p>
           <a:p>
-            <a:pPr marL="216000" indent="-216000">
+            <a:pPr marL="216000" indent="-215640">
               <a:lnSpc>
                 <a:spcPct val="100000"/>
               </a:lnSpc>
@@ -659,7 +659,7 @@
             </a:endParaRPr>
           </a:p>
           <a:p>
-            <a:pPr marL="216000" indent="-216000">
+            <a:pPr marL="216000" indent="-215640">
               <a:lnSpc>
                 <a:spcPct val="100000"/>
               </a:lnSpc>
@@ -687,7 +687,7 @@
             </a:endParaRPr>
           </a:p>
           <a:p>
-            <a:pPr marL="216000" indent="-216000">
+            <a:pPr marL="216000" indent="-215640">
               <a:lnSpc>
                 <a:spcPct val="100000"/>
               </a:lnSpc>
@@ -715,7 +715,7 @@
             </a:endParaRPr>
           </a:p>
           <a:p>
-            <a:pPr marL="216000" indent="-216000">
+            <a:pPr marL="216000" indent="-215640">
               <a:lnSpc>
                 <a:spcPct val="100000"/>
               </a:lnSpc>
@@ -743,7 +743,7 @@
             </a:endParaRPr>
           </a:p>
           <a:p>
-            <a:pPr marL="216000" indent="-216000">
+            <a:pPr marL="216000" indent="-215640">
               <a:lnSpc>
                 <a:spcPct val="100000"/>
               </a:lnSpc>
@@ -771,7 +771,7 @@
             </a:endParaRPr>
           </a:p>
           <a:p>
-            <a:pPr marL="216000" indent="-216000">
+            <a:pPr marL="216000" indent="-215640">
               <a:lnSpc>
                 <a:spcPct val="100000"/>
               </a:lnSpc>
@@ -799,7 +799,7 @@
             </a:endParaRPr>
           </a:p>
           <a:p>
-            <a:pPr marL="216000" indent="-216000">
+            <a:pPr marL="216000" indent="-215640">
               <a:lnSpc>
                 <a:spcPct val="100000"/>
               </a:lnSpc>
@@ -852,7 +852,7 @@
       </p:grpSpPr>
       <p:sp>
         <p:nvSpPr>
-          <p:cNvPr id="114" name="PlaceHolder 1"/>
+          <p:cNvPr id="123" name="PlaceHolder 1"/>
           <p:cNvSpPr>
             <a:spLocks noGrp="1"/>
           </p:cNvSpPr>
@@ -863,16 +863,16 @@
         <p:spPr>
           <a:xfrm>
             <a:off x="533520" y="720000"/>
-            <a:ext cx="6704280" cy="3771000"/>
-          </a:xfrm>
-          <a:prstGeom prst="rect">
-            <a:avLst/>
-          </a:prstGeom>
-        </p:spPr>
-      </p:sp>
-      <p:sp>
-        <p:nvSpPr>
-          <p:cNvPr id="115" name="PlaceHolder 2"/>
+            <a:ext cx="6703920" cy="3770640"/>
+          </a:xfrm>
+          <a:prstGeom prst="rect">
+            <a:avLst/>
+          </a:prstGeom>
+        </p:spPr>
+      </p:sp>
+      <p:sp>
+        <p:nvSpPr>
+          <p:cNvPr id="124" name="PlaceHolder 2"/>
           <p:cNvSpPr>
             <a:spLocks noGrp="1"/>
           </p:cNvSpPr>
@@ -883,7 +883,7 @@
         <p:spPr>
           <a:xfrm>
             <a:off x="777240" y="4777560"/>
-            <a:ext cx="6217200" cy="5474880"/>
+            <a:ext cx="6216840" cy="5474520"/>
           </a:xfrm>
           <a:prstGeom prst="rect">
             <a:avLst/>
@@ -892,7 +892,7 @@
         <p:txBody>
           <a:bodyPr lIns="0" rIns="0" tIns="0" bIns="0"/>
           <a:p>
-            <a:pPr marL="216000" indent="-216000">
+            <a:pPr marL="216000" indent="-215640">
               <a:lnSpc>
                 <a:spcPct val="100000"/>
               </a:lnSpc>
@@ -908,7 +908,7 @@
             </a:endParaRPr>
           </a:p>
           <a:p>
-            <a:pPr marL="216000" indent="-216000">
+            <a:pPr marL="216000" indent="-215640">
               <a:lnSpc>
                 <a:spcPct val="100000"/>
               </a:lnSpc>
@@ -930,7 +930,7 @@
             </a:endParaRPr>
           </a:p>
           <a:p>
-            <a:pPr marL="216000" indent="-216000">
+            <a:pPr marL="216000" indent="-215640">
               <a:lnSpc>
                 <a:spcPct val="100000"/>
               </a:lnSpc>
@@ -952,7 +952,7 @@
             </a:endParaRPr>
           </a:p>
           <a:p>
-            <a:pPr marL="216000" indent="-216000">
+            <a:pPr marL="216000" indent="-215640">
               <a:lnSpc>
                 <a:spcPct val="100000"/>
               </a:lnSpc>
@@ -974,7 +974,7 @@
             </a:endParaRPr>
           </a:p>
           <a:p>
-            <a:pPr marL="216000" indent="-216000">
+            <a:pPr marL="216000" indent="-215640">
               <a:lnSpc>
                 <a:spcPct val="100000"/>
               </a:lnSpc>
@@ -990,7 +990,7 @@
             </a:endParaRPr>
           </a:p>
           <a:p>
-            <a:pPr marL="216000" indent="-216000">
+            <a:pPr marL="216000" indent="-215640">
               <a:lnSpc>
                 <a:spcPct val="100000"/>
               </a:lnSpc>
@@ -1012,7 +1012,7 @@
             </a:endParaRPr>
           </a:p>
           <a:p>
-            <a:pPr marL="216000" indent="-216000">
+            <a:pPr marL="216000" indent="-215640">
               <a:lnSpc>
                 <a:spcPct val="100000"/>
               </a:lnSpc>
@@ -1040,7 +1040,7 @@
             </a:endParaRPr>
           </a:p>
           <a:p>
-            <a:pPr marL="216000" indent="-216000">
+            <a:pPr marL="216000" indent="-215640">
               <a:lnSpc>
                 <a:spcPct val="100000"/>
               </a:lnSpc>
@@ -1068,7 +1068,7 @@
             </a:endParaRPr>
           </a:p>
           <a:p>
-            <a:pPr marL="216000" indent="-216000">
+            <a:pPr marL="216000" indent="-215640">
               <a:lnSpc>
                 <a:spcPct val="100000"/>
               </a:lnSpc>
@@ -1102,7 +1102,7 @@
             </a:endParaRPr>
           </a:p>
           <a:p>
-            <a:pPr marL="216000" indent="-216000">
+            <a:pPr marL="216000" indent="-215640">
               <a:lnSpc>
                 <a:spcPct val="100000"/>
               </a:lnSpc>
@@ -1136,7 +1136,7 @@
             </a:endParaRPr>
           </a:p>
           <a:p>
-            <a:pPr marL="216000" indent="-216000">
+            <a:pPr marL="216000" indent="-215640">
               <a:lnSpc>
                 <a:spcPct val="100000"/>
               </a:lnSpc>
@@ -1164,7 +1164,7 @@
             </a:endParaRPr>
           </a:p>
           <a:p>
-            <a:pPr marL="216000" indent="-216000">
+            <a:pPr marL="216000" indent="-215640">
               <a:lnSpc>
                 <a:spcPct val="100000"/>
               </a:lnSpc>
@@ -1192,7 +1192,7 @@
             </a:endParaRPr>
           </a:p>
           <a:p>
-            <a:pPr marL="216000" indent="-216000">
+            <a:pPr marL="216000" indent="-215640">
               <a:lnSpc>
                 <a:spcPct val="100000"/>
               </a:lnSpc>
@@ -1220,7 +1220,7 @@
             </a:endParaRPr>
           </a:p>
           <a:p>
-            <a:pPr marL="216000" indent="-216000">
+            <a:pPr marL="216000" indent="-215640">
               <a:lnSpc>
                 <a:spcPct val="100000"/>
               </a:lnSpc>
@@ -1248,7 +1248,7 @@
             </a:endParaRPr>
           </a:p>
           <a:p>
-            <a:pPr marL="216000" indent="-216000">
+            <a:pPr marL="216000" indent="-215640">
               <a:lnSpc>
                 <a:spcPct val="100000"/>
               </a:lnSpc>
@@ -1276,7 +1276,7 @@
             </a:endParaRPr>
           </a:p>
           <a:p>
-            <a:pPr marL="216000" indent="-216000">
+            <a:pPr marL="216000" indent="-215640">
               <a:lnSpc>
                 <a:spcPct val="100000"/>
               </a:lnSpc>
@@ -1298,7 +1298,7 @@
             </a:endParaRPr>
           </a:p>
           <a:p>
-            <a:pPr marL="216000" indent="-216000">
+            <a:pPr marL="216000" indent="-215640">
               <a:lnSpc>
                 <a:spcPct val="100000"/>
               </a:lnSpc>
@@ -1326,7 +1326,7 @@
             </a:endParaRPr>
           </a:p>
           <a:p>
-            <a:pPr marL="216000" indent="-216000">
+            <a:pPr marL="216000" indent="-215640">
               <a:lnSpc>
                 <a:spcPct val="100000"/>
               </a:lnSpc>
@@ -1354,7 +1354,7 @@
             </a:endParaRPr>
           </a:p>
           <a:p>
-            <a:pPr marL="216000" indent="-216000">
+            <a:pPr marL="216000" indent="-215640">
               <a:lnSpc>
                 <a:spcPct val="100000"/>
               </a:lnSpc>
@@ -1382,7 +1382,7 @@
             </a:endParaRPr>
           </a:p>
           <a:p>
-            <a:pPr marL="216000" indent="-216000">
+            <a:pPr marL="216000" indent="-215640">
               <a:lnSpc>
                 <a:spcPct val="100000"/>
               </a:lnSpc>
@@ -1410,7 +1410,7 @@
             </a:endParaRPr>
           </a:p>
           <a:p>
-            <a:pPr marL="216000" indent="-216000">
+            <a:pPr marL="216000" indent="-215640">
               <a:lnSpc>
                 <a:spcPct val="100000"/>
               </a:lnSpc>
@@ -1438,7 +1438,7 @@
             </a:endParaRPr>
           </a:p>
           <a:p>
-            <a:pPr marL="216000" indent="-216000">
+            <a:pPr marL="216000" indent="-215640">
               <a:lnSpc>
                 <a:spcPct val="100000"/>
               </a:lnSpc>
@@ -1466,7 +1466,7 @@
             </a:endParaRPr>
           </a:p>
           <a:p>
-            <a:pPr marL="216000" indent="-216000">
+            <a:pPr marL="216000" indent="-215640">
               <a:lnSpc>
                 <a:spcPct val="100000"/>
               </a:lnSpc>
@@ -1494,7 +1494,7 @@
             </a:endParaRPr>
           </a:p>
           <a:p>
-            <a:pPr marL="216000" indent="-216000">
+            <a:pPr marL="216000" indent="-215640">
               <a:lnSpc>
                 <a:spcPct val="100000"/>
               </a:lnSpc>
@@ -1507,7 +1507,7 @@
       </p:sp>
       <p:pic>
         <p:nvPicPr>
-          <p:cNvPr id="116" name="" descr=""/>
+          <p:cNvPr id="125" name="" descr=""/>
           <p:cNvPicPr/>
           <p:nvPr/>
         </p:nvPicPr>
@@ -1518,7 +1518,7 @@
         <p:spPr>
           <a:xfrm>
             <a:off x="756000" y="1585080"/>
-            <a:ext cx="6407640" cy="2651040"/>
+            <a:ext cx="6407280" cy="2650680"/>
           </a:xfrm>
           <a:prstGeom prst="rect">
             <a:avLst/>
@@ -1552,7 +1552,7 @@
       </p:grpSpPr>
       <p:sp>
         <p:nvSpPr>
-          <p:cNvPr id="117" name="PlaceHolder 1"/>
+          <p:cNvPr id="126" name="PlaceHolder 1"/>
           <p:cNvSpPr>
             <a:spLocks noGrp="1"/>
           </p:cNvSpPr>
@@ -1563,16 +1563,16 @@
         <p:spPr>
           <a:xfrm>
             <a:off x="533520" y="720000"/>
-            <a:ext cx="6704280" cy="3771000"/>
-          </a:xfrm>
-          <a:prstGeom prst="rect">
-            <a:avLst/>
-          </a:prstGeom>
-        </p:spPr>
-      </p:sp>
-      <p:sp>
-        <p:nvSpPr>
-          <p:cNvPr id="118" name="PlaceHolder 2"/>
+            <a:ext cx="6703920" cy="3770640"/>
+          </a:xfrm>
+          <a:prstGeom prst="rect">
+            <a:avLst/>
+          </a:prstGeom>
+        </p:spPr>
+      </p:sp>
+      <p:sp>
+        <p:nvSpPr>
+          <p:cNvPr id="127" name="PlaceHolder 2"/>
           <p:cNvSpPr>
             <a:spLocks noGrp="1"/>
           </p:cNvSpPr>
@@ -1583,7 +1583,7 @@
         <p:spPr>
           <a:xfrm>
             <a:off x="777240" y="4777560"/>
-            <a:ext cx="6217200" cy="5417280"/>
+            <a:ext cx="6216840" cy="5416920"/>
           </a:xfrm>
           <a:prstGeom prst="rect">
             <a:avLst/>
@@ -1592,7 +1592,7 @@
         <p:txBody>
           <a:bodyPr lIns="0" rIns="0" tIns="0" bIns="0"/>
           <a:p>
-            <a:pPr marL="216000" indent="-216000">
+            <a:pPr marL="216000" indent="-215640">
               <a:lnSpc>
                 <a:spcPct val="100000"/>
               </a:lnSpc>
@@ -1608,7 +1608,7 @@
             </a:endParaRPr>
           </a:p>
           <a:p>
-            <a:pPr marL="216000" indent="-216000">
+            <a:pPr marL="216000" indent="-215640">
               <a:lnSpc>
                 <a:spcPct val="100000"/>
               </a:lnSpc>
@@ -1630,7 +1630,7 @@
             </a:endParaRPr>
           </a:p>
           <a:p>
-            <a:pPr marL="216000" indent="-216000">
+            <a:pPr marL="216000" indent="-215640">
               <a:lnSpc>
                 <a:spcPct val="100000"/>
               </a:lnSpc>
@@ -1652,7 +1652,7 @@
             </a:endParaRPr>
           </a:p>
           <a:p>
-            <a:pPr marL="216000" indent="-216000">
+            <a:pPr marL="216000" indent="-215640">
               <a:lnSpc>
                 <a:spcPct val="100000"/>
               </a:lnSpc>
@@ -1674,7 +1674,7 @@
             </a:endParaRPr>
           </a:p>
           <a:p>
-            <a:pPr marL="216000" indent="-216000">
+            <a:pPr marL="216000" indent="-215640">
               <a:lnSpc>
                 <a:spcPct val="100000"/>
               </a:lnSpc>
@@ -1690,7 +1690,7 @@
             </a:endParaRPr>
           </a:p>
           <a:p>
-            <a:pPr marL="216000" indent="-216000">
+            <a:pPr marL="216000" indent="-215640">
               <a:lnSpc>
                 <a:spcPct val="100000"/>
               </a:lnSpc>
@@ -1712,7 +1712,7 @@
             </a:endParaRPr>
           </a:p>
           <a:p>
-            <a:pPr marL="216000" indent="-216000">
+            <a:pPr marL="216000" indent="-215640">
               <a:lnSpc>
                 <a:spcPct val="100000"/>
               </a:lnSpc>
@@ -1740,7 +1740,7 @@
             </a:endParaRPr>
           </a:p>
           <a:p>
-            <a:pPr marL="216000" indent="-216000">
+            <a:pPr marL="216000" indent="-215640">
               <a:lnSpc>
                 <a:spcPct val="100000"/>
               </a:lnSpc>
@@ -1768,7 +1768,7 @@
             </a:endParaRPr>
           </a:p>
           <a:p>
-            <a:pPr marL="216000" indent="-216000">
+            <a:pPr marL="216000" indent="-215640">
               <a:lnSpc>
                 <a:spcPct val="100000"/>
               </a:lnSpc>
@@ -1802,7 +1802,7 @@
             </a:endParaRPr>
           </a:p>
           <a:p>
-            <a:pPr marL="216000" indent="-216000">
+            <a:pPr marL="216000" indent="-215640">
               <a:lnSpc>
                 <a:spcPct val="100000"/>
               </a:lnSpc>
@@ -1836,7 +1836,7 @@
             </a:endParaRPr>
           </a:p>
           <a:p>
-            <a:pPr marL="216000" indent="-216000">
+            <a:pPr marL="216000" indent="-215640">
               <a:lnSpc>
                 <a:spcPct val="100000"/>
               </a:lnSpc>
@@ -1864,7 +1864,7 @@
             </a:endParaRPr>
           </a:p>
           <a:p>
-            <a:pPr marL="216000" indent="-216000">
+            <a:pPr marL="216000" indent="-215640">
               <a:lnSpc>
                 <a:spcPct val="100000"/>
               </a:lnSpc>
@@ -1892,7 +1892,7 @@
             </a:endParaRPr>
           </a:p>
           <a:p>
-            <a:pPr marL="216000" indent="-216000">
+            <a:pPr marL="216000" indent="-215640">
               <a:lnSpc>
                 <a:spcPct val="100000"/>
               </a:lnSpc>
@@ -1920,7 +1920,7 @@
             </a:endParaRPr>
           </a:p>
           <a:p>
-            <a:pPr marL="216000" indent="-216000">
+            <a:pPr marL="216000" indent="-215640">
               <a:lnSpc>
                 <a:spcPct val="100000"/>
               </a:lnSpc>
@@ -1948,7 +1948,7 @@
             </a:endParaRPr>
           </a:p>
           <a:p>
-            <a:pPr marL="216000" indent="-216000">
+            <a:pPr marL="216000" indent="-215640">
               <a:lnSpc>
                 <a:spcPct val="100000"/>
               </a:lnSpc>
@@ -1976,7 +1976,7 @@
             </a:endParaRPr>
           </a:p>
           <a:p>
-            <a:pPr marL="216000" indent="-216000">
+            <a:pPr marL="216000" indent="-215640">
               <a:lnSpc>
                 <a:spcPct val="100000"/>
               </a:lnSpc>
@@ -1998,7 +1998,7 @@
             </a:endParaRPr>
           </a:p>
           <a:p>
-            <a:pPr marL="216000" indent="-216000">
+            <a:pPr marL="216000" indent="-215640">
               <a:lnSpc>
                 <a:spcPct val="100000"/>
               </a:lnSpc>
@@ -2026,7 +2026,7 @@
             </a:endParaRPr>
           </a:p>
           <a:p>
-            <a:pPr marL="216000" indent="-216000">
+            <a:pPr marL="216000" indent="-215640">
               <a:lnSpc>
                 <a:spcPct val="100000"/>
               </a:lnSpc>
@@ -2054,7 +2054,7 @@
             </a:endParaRPr>
           </a:p>
           <a:p>
-            <a:pPr marL="216000" indent="-216000">
+            <a:pPr marL="216000" indent="-215640">
               <a:lnSpc>
                 <a:spcPct val="100000"/>
               </a:lnSpc>
@@ -2082,7 +2082,7 @@
             </a:endParaRPr>
           </a:p>
           <a:p>
-            <a:pPr marL="216000" indent="-216000">
+            <a:pPr marL="216000" indent="-215640">
               <a:lnSpc>
                 <a:spcPct val="100000"/>
               </a:lnSpc>
@@ -2110,7 +2110,7 @@
             </a:endParaRPr>
           </a:p>
           <a:p>
-            <a:pPr marL="216000" indent="-216000">
+            <a:pPr marL="216000" indent="-215640">
               <a:lnSpc>
                 <a:spcPct val="100000"/>
               </a:lnSpc>
@@ -2138,7 +2138,7 @@
             </a:endParaRPr>
           </a:p>
           <a:p>
-            <a:pPr marL="216000" indent="-216000">
+            <a:pPr marL="216000" indent="-215640">
               <a:lnSpc>
                 <a:spcPct val="100000"/>
               </a:lnSpc>
@@ -2166,7 +2166,7 @@
             </a:endParaRPr>
           </a:p>
           <a:p>
-            <a:pPr marL="216000" indent="-216000">
+            <a:pPr marL="216000" indent="-215640">
               <a:lnSpc>
                 <a:spcPct val="100000"/>
               </a:lnSpc>
@@ -2194,7 +2194,7 @@
             </a:endParaRPr>
           </a:p>
           <a:p>
-            <a:pPr marL="216000" indent="-216000">
+            <a:pPr marL="216000" indent="-215640">
               <a:lnSpc>
                 <a:spcPct val="100000"/>
               </a:lnSpc>
@@ -2207,7 +2207,7 @@
       </p:sp>
       <p:pic>
         <p:nvPicPr>
-          <p:cNvPr id="119" name="" descr=""/>
+          <p:cNvPr id="128" name="" descr=""/>
           <p:cNvPicPr/>
           <p:nvPr/>
         </p:nvPicPr>
@@ -2218,7 +2218,7 @@
         <p:spPr>
           <a:xfrm>
             <a:off x="756000" y="1585080"/>
-            <a:ext cx="6407640" cy="2651040"/>
+            <a:ext cx="6407280" cy="2650680"/>
           </a:xfrm>
           <a:prstGeom prst="rect">
             <a:avLst/>
@@ -2285,7 +2285,7 @@
         <p:spPr>
           <a:xfrm>
             <a:off x="504000" y="226080"/>
-            <a:ext cx="9071280" cy="946080"/>
+            <a:ext cx="9070920" cy="945720"/>
           </a:xfrm>
           <a:prstGeom prst="rect">
             <a:avLst/>
@@ -2314,7 +2314,7 @@
         <p:spPr>
           <a:xfrm>
             <a:off x="504000" y="1326600"/>
-            <a:ext cx="9072000" cy="1568520"/>
+            <a:ext cx="9071640" cy="1568160"/>
           </a:xfrm>
           <a:prstGeom prst="rect">
             <a:avLst/>
@@ -2343,8 +2343,8 @@
         </p:nvSpPr>
         <p:spPr>
           <a:xfrm>
-            <a:off x="504000" y="3044520"/>
-            <a:ext cx="9072000" cy="1568520"/>
+            <a:off x="504000" y="3044160"/>
+            <a:ext cx="9071640" cy="1568160"/>
           </a:xfrm>
           <a:prstGeom prst="rect">
             <a:avLst/>
@@ -2396,7 +2396,7 @@
         <p:spPr>
           <a:xfrm>
             <a:off x="504000" y="226080"/>
-            <a:ext cx="9071280" cy="946080"/>
+            <a:ext cx="9070920" cy="945720"/>
           </a:xfrm>
           <a:prstGeom prst="rect">
             <a:avLst/>
@@ -2425,7 +2425,7 @@
         <p:spPr>
           <a:xfrm>
             <a:off x="504000" y="1326600"/>
-            <a:ext cx="4426920" cy="1568520"/>
+            <a:ext cx="4426920" cy="1568160"/>
           </a:xfrm>
           <a:prstGeom prst="rect">
             <a:avLst/>
@@ -2455,7 +2455,7 @@
         <p:spPr>
           <a:xfrm>
             <a:off x="5152680" y="1326600"/>
-            <a:ext cx="4426920" cy="1568520"/>
+            <a:ext cx="4426920" cy="1568160"/>
           </a:xfrm>
           <a:prstGeom prst="rect">
             <a:avLst/>
@@ -2484,8 +2484,8 @@
         </p:nvSpPr>
         <p:spPr>
           <a:xfrm>
-            <a:off x="504000" y="3044520"/>
-            <a:ext cx="4426920" cy="1568520"/>
+            <a:off x="504000" y="3044160"/>
+            <a:ext cx="4426920" cy="1568160"/>
           </a:xfrm>
           <a:prstGeom prst="rect">
             <a:avLst/>
@@ -2514,8 +2514,8 @@
         </p:nvSpPr>
         <p:spPr>
           <a:xfrm>
-            <a:off x="5152680" y="3044520"/>
-            <a:ext cx="4426920" cy="1568520"/>
+            <a:off x="5152680" y="3044160"/>
+            <a:ext cx="4426920" cy="1568160"/>
           </a:xfrm>
           <a:prstGeom prst="rect">
             <a:avLst/>
@@ -2567,7 +2567,7 @@
         <p:spPr>
           <a:xfrm>
             <a:off x="504000" y="226080"/>
-            <a:ext cx="9071280" cy="946080"/>
+            <a:ext cx="9070920" cy="945720"/>
           </a:xfrm>
           <a:prstGeom prst="rect">
             <a:avLst/>
@@ -2596,7 +2596,7 @@
         <p:spPr>
           <a:xfrm>
             <a:off x="504000" y="1326600"/>
-            <a:ext cx="2921040" cy="1568520"/>
+            <a:ext cx="2920680" cy="1568160"/>
           </a:xfrm>
           <a:prstGeom prst="rect">
             <a:avLst/>
@@ -2625,8 +2625,8 @@
         </p:nvSpPr>
         <p:spPr>
           <a:xfrm>
-            <a:off x="3571560" y="1326600"/>
-            <a:ext cx="2921040" cy="1568520"/>
+            <a:off x="3571200" y="1326600"/>
+            <a:ext cx="2920680" cy="1568160"/>
           </a:xfrm>
           <a:prstGeom prst="rect">
             <a:avLst/>
@@ -2655,8 +2655,8 @@
         </p:nvSpPr>
         <p:spPr>
           <a:xfrm>
-            <a:off x="6639120" y="1326600"/>
-            <a:ext cx="2921040" cy="1568520"/>
+            <a:off x="6638040" y="1326600"/>
+            <a:ext cx="2920680" cy="1568160"/>
           </a:xfrm>
           <a:prstGeom prst="rect">
             <a:avLst/>
@@ -2685,8 +2685,8 @@
         </p:nvSpPr>
         <p:spPr>
           <a:xfrm>
-            <a:off x="504000" y="3044520"/>
-            <a:ext cx="2921040" cy="1568520"/>
+            <a:off x="504000" y="3044160"/>
+            <a:ext cx="2920680" cy="1568160"/>
           </a:xfrm>
           <a:prstGeom prst="rect">
             <a:avLst/>
@@ -2715,8 +2715,8 @@
         </p:nvSpPr>
         <p:spPr>
           <a:xfrm>
-            <a:off x="3571560" y="3044520"/>
-            <a:ext cx="2921040" cy="1568520"/>
+            <a:off x="3571200" y="3044160"/>
+            <a:ext cx="2920680" cy="1568160"/>
           </a:xfrm>
           <a:prstGeom prst="rect">
             <a:avLst/>
@@ -2745,8 +2745,8 @@
         </p:nvSpPr>
         <p:spPr>
           <a:xfrm>
-            <a:off x="6639120" y="3044520"/>
-            <a:ext cx="2921040" cy="1568520"/>
+            <a:off x="6638040" y="3044160"/>
+            <a:ext cx="2920680" cy="1568160"/>
           </a:xfrm>
           <a:prstGeom prst="rect">
             <a:avLst/>
@@ -2798,7 +2798,7 @@
         <p:spPr>
           <a:xfrm>
             <a:off x="504000" y="226080"/>
-            <a:ext cx="9071280" cy="946080"/>
+            <a:ext cx="9070920" cy="945720"/>
           </a:xfrm>
           <a:prstGeom prst="rect">
             <a:avLst/>
@@ -2827,7 +2827,7 @@
         <p:spPr>
           <a:xfrm>
             <a:off x="504000" y="1326600"/>
-            <a:ext cx="9072000" cy="3288600"/>
+            <a:ext cx="9071640" cy="3288240"/>
           </a:xfrm>
           <a:prstGeom prst="rect">
             <a:avLst/>
@@ -2878,7 +2878,7 @@
         <p:spPr>
           <a:xfrm>
             <a:off x="504000" y="226080"/>
-            <a:ext cx="9071280" cy="946080"/>
+            <a:ext cx="9070920" cy="945720"/>
           </a:xfrm>
           <a:prstGeom prst="rect">
             <a:avLst/>
@@ -2907,7 +2907,7 @@
         <p:spPr>
           <a:xfrm>
             <a:off x="504000" y="1326600"/>
-            <a:ext cx="9072000" cy="3288600"/>
+            <a:ext cx="9071640" cy="3288240"/>
           </a:xfrm>
           <a:prstGeom prst="rect">
             <a:avLst/>
@@ -2959,7 +2959,7 @@
         <p:spPr>
           <a:xfrm>
             <a:off x="504000" y="226080"/>
-            <a:ext cx="9071280" cy="946080"/>
+            <a:ext cx="9070920" cy="945720"/>
           </a:xfrm>
           <a:prstGeom prst="rect">
             <a:avLst/>
@@ -2988,7 +2988,7 @@
         <p:spPr>
           <a:xfrm>
             <a:off x="504000" y="1326600"/>
-            <a:ext cx="4426920" cy="3288600"/>
+            <a:ext cx="4426920" cy="3288240"/>
           </a:xfrm>
           <a:prstGeom prst="rect">
             <a:avLst/>
@@ -3018,7 +3018,7 @@
         <p:spPr>
           <a:xfrm>
             <a:off x="5152680" y="1326600"/>
-            <a:ext cx="4426920" cy="3288600"/>
+            <a:ext cx="4426920" cy="3288240"/>
           </a:xfrm>
           <a:prstGeom prst="rect">
             <a:avLst/>
@@ -3070,7 +3070,7 @@
         <p:spPr>
           <a:xfrm>
             <a:off x="504000" y="226080"/>
-            <a:ext cx="9071280" cy="946080"/>
+            <a:ext cx="9070920" cy="945720"/>
           </a:xfrm>
           <a:prstGeom prst="rect">
             <a:avLst/>
@@ -3121,7 +3121,7 @@
         <p:spPr>
           <a:xfrm>
             <a:off x="504000" y="226080"/>
-            <a:ext cx="9071280" cy="4386600"/>
+            <a:ext cx="9070920" cy="4385160"/>
           </a:xfrm>
           <a:prstGeom prst="rect">
             <a:avLst/>
@@ -3172,7 +3172,7 @@
         <p:spPr>
           <a:xfrm>
             <a:off x="504000" y="226080"/>
-            <a:ext cx="9071280" cy="946080"/>
+            <a:ext cx="9070920" cy="945720"/>
           </a:xfrm>
           <a:prstGeom prst="rect">
             <a:avLst/>
@@ -3201,7 +3201,7 @@
         <p:spPr>
           <a:xfrm>
             <a:off x="504000" y="1326600"/>
-            <a:ext cx="4426920" cy="1568520"/>
+            <a:ext cx="4426920" cy="1568160"/>
           </a:xfrm>
           <a:prstGeom prst="rect">
             <a:avLst/>
@@ -3231,7 +3231,7 @@
         <p:spPr>
           <a:xfrm>
             <a:off x="5152680" y="1326600"/>
-            <a:ext cx="4426920" cy="3288600"/>
+            <a:ext cx="4426920" cy="3288240"/>
           </a:xfrm>
           <a:prstGeom prst="rect">
             <a:avLst/>
@@ -3260,8 +3260,8 @@
         </p:nvSpPr>
         <p:spPr>
           <a:xfrm>
-            <a:off x="504000" y="3044520"/>
-            <a:ext cx="4426920" cy="1568520"/>
+            <a:off x="504000" y="3044160"/>
+            <a:ext cx="4426920" cy="1568160"/>
           </a:xfrm>
           <a:prstGeom prst="rect">
             <a:avLst/>
@@ -3313,7 +3313,7 @@
         <p:spPr>
           <a:xfrm>
             <a:off x="504000" y="226080"/>
-            <a:ext cx="9071280" cy="946080"/>
+            <a:ext cx="9070920" cy="945720"/>
           </a:xfrm>
           <a:prstGeom prst="rect">
             <a:avLst/>
@@ -3342,7 +3342,7 @@
         <p:spPr>
           <a:xfrm>
             <a:off x="504000" y="1326600"/>
-            <a:ext cx="4426920" cy="3288600"/>
+            <a:ext cx="4426920" cy="3288240"/>
           </a:xfrm>
           <a:prstGeom prst="rect">
             <a:avLst/>
@@ -3372,7 +3372,7 @@
         <p:spPr>
           <a:xfrm>
             <a:off x="5152680" y="1326600"/>
-            <a:ext cx="4426920" cy="1568520"/>
+            <a:ext cx="4426920" cy="1568160"/>
           </a:xfrm>
           <a:prstGeom prst="rect">
             <a:avLst/>
@@ -3401,8 +3401,8 @@
         </p:nvSpPr>
         <p:spPr>
           <a:xfrm>
-            <a:off x="5152680" y="3044520"/>
-            <a:ext cx="4426920" cy="1568520"/>
+            <a:off x="5152680" y="3044160"/>
+            <a:ext cx="4426920" cy="1568160"/>
           </a:xfrm>
           <a:prstGeom prst="rect">
             <a:avLst/>
@@ -3454,7 +3454,7 @@
         <p:spPr>
           <a:xfrm>
             <a:off x="504000" y="226080"/>
-            <a:ext cx="9071280" cy="946080"/>
+            <a:ext cx="9070920" cy="945720"/>
           </a:xfrm>
           <a:prstGeom prst="rect">
             <a:avLst/>
@@ -3483,7 +3483,7 @@
         <p:spPr>
           <a:xfrm>
             <a:off x="504000" y="1326600"/>
-            <a:ext cx="4426920" cy="1568520"/>
+            <a:ext cx="4426920" cy="1568160"/>
           </a:xfrm>
           <a:prstGeom prst="rect">
             <a:avLst/>
@@ -3513,7 +3513,7 @@
         <p:spPr>
           <a:xfrm>
             <a:off x="5152680" y="1326600"/>
-            <a:ext cx="4426920" cy="1568520"/>
+            <a:ext cx="4426920" cy="1568160"/>
           </a:xfrm>
           <a:prstGeom prst="rect">
             <a:avLst/>
@@ -3542,8 +3542,8 @@
         </p:nvSpPr>
         <p:spPr>
           <a:xfrm>
-            <a:off x="504000" y="3044520"/>
-            <a:ext cx="9072000" cy="1568520"/>
+            <a:off x="504000" y="3044160"/>
+            <a:ext cx="9071640" cy="1568160"/>
           </a:xfrm>
           <a:prstGeom prst="rect">
             <a:avLst/>
@@ -3595,7 +3595,7 @@
         <p:spPr>
           <a:xfrm>
             <a:off x="504000" y="226080"/>
-            <a:ext cx="9071280" cy="946080"/>
+            <a:ext cx="9070920" cy="945720"/>
           </a:xfrm>
           <a:prstGeom prst="rect">
             <a:avLst/>
@@ -3629,7 +3629,7 @@
         <p:spPr>
           <a:xfrm>
             <a:off x="504000" y="1326600"/>
-            <a:ext cx="9072000" cy="3288600"/>
+            <a:ext cx="9071640" cy="3288240"/>
           </a:xfrm>
           <a:prstGeom prst="rect">
             <a:avLst/>
@@ -3652,12 +3652,12 @@
               <a:buChar char=""/>
             </a:pPr>
             <a:r>
-              <a:rPr b="0" lang="en-IE" sz="3200" spc="-1" strike="noStrike">
+              <a:rPr b="0" lang="en-IE" sz="1800" spc="-1" strike="noStrike">
                 <a:latin typeface="Arial"/>
               </a:rPr>
               <a:t>Click to edit the outline text format</a:t>
             </a:r>
-            <a:endParaRPr b="0" lang="en-IE" sz="3200" spc="-1" strike="noStrike">
+            <a:endParaRPr b="0" lang="en-IE" sz="1800" spc="-1" strike="noStrike">
               <a:latin typeface="Arial"/>
             </a:endParaRPr>
           </a:p>
@@ -3674,12 +3674,12 @@
               <a:buChar char=""/>
             </a:pPr>
             <a:r>
-              <a:rPr b="0" lang="en-IE" sz="2800" spc="-1" strike="noStrike">
+              <a:rPr b="0" lang="en-IE" sz="1800" spc="-1" strike="noStrike">
                 <a:latin typeface="Arial"/>
               </a:rPr>
               <a:t>Second Outline Level</a:t>
             </a:r>
-            <a:endParaRPr b="0" lang="en-IE" sz="2800" spc="-1" strike="noStrike">
+            <a:endParaRPr b="0" lang="en-IE" sz="1800" spc="-1" strike="noStrike">
               <a:latin typeface="Arial"/>
             </a:endParaRPr>
           </a:p>
@@ -3696,12 +3696,12 @@
               <a:buChar char=""/>
             </a:pPr>
             <a:r>
-              <a:rPr b="0" lang="en-IE" sz="2400" spc="-1" strike="noStrike">
+              <a:rPr b="0" lang="en-IE" sz="1800" spc="-1" strike="noStrike">
                 <a:latin typeface="Arial"/>
               </a:rPr>
               <a:t>Third Outline Level</a:t>
             </a:r>
-            <a:endParaRPr b="0" lang="en-IE" sz="2400" spc="-1" strike="noStrike">
+            <a:endParaRPr b="0" lang="en-IE" sz="1800" spc="-1" strike="noStrike">
               <a:latin typeface="Arial"/>
             </a:endParaRPr>
           </a:p>
@@ -3718,12 +3718,12 @@
               <a:buChar char=""/>
             </a:pPr>
             <a:r>
-              <a:rPr b="0" lang="en-IE" sz="2000" spc="-1" strike="noStrike">
+              <a:rPr b="0" lang="en-IE" sz="1800" spc="-1" strike="noStrike">
                 <a:latin typeface="Arial"/>
               </a:rPr>
               <a:t>Fourth Outline Level</a:t>
             </a:r>
-            <a:endParaRPr b="0" lang="en-IE" sz="2000" spc="-1" strike="noStrike">
+            <a:endParaRPr b="0" lang="en-IE" sz="1800" spc="-1" strike="noStrike">
               <a:latin typeface="Arial"/>
             </a:endParaRPr>
           </a:p>
@@ -3740,12 +3740,12 @@
               <a:buChar char=""/>
             </a:pPr>
             <a:r>
-              <a:rPr b="0" lang="en-IE" sz="2000" spc="-1" strike="noStrike">
+              <a:rPr b="0" lang="en-IE" sz="1800" spc="-1" strike="noStrike">
                 <a:latin typeface="Arial"/>
               </a:rPr>
               <a:t>Fifth Outline Level</a:t>
             </a:r>
-            <a:endParaRPr b="0" lang="en-IE" sz="2000" spc="-1" strike="noStrike">
+            <a:endParaRPr b="0" lang="en-IE" sz="1800" spc="-1" strike="noStrike">
               <a:latin typeface="Arial"/>
             </a:endParaRPr>
           </a:p>
@@ -3762,12 +3762,12 @@
               <a:buChar char=""/>
             </a:pPr>
             <a:r>
-              <a:rPr b="0" lang="en-IE" sz="2000" spc="-1" strike="noStrike">
+              <a:rPr b="0" lang="en-IE" sz="1800" spc="-1" strike="noStrike">
                 <a:latin typeface="Arial"/>
               </a:rPr>
               <a:t>Sixth Outline Level</a:t>
             </a:r>
-            <a:endParaRPr b="0" lang="en-IE" sz="2000" spc="-1" strike="noStrike">
+            <a:endParaRPr b="0" lang="en-IE" sz="1800" spc="-1" strike="noStrike">
               <a:latin typeface="Arial"/>
             </a:endParaRPr>
           </a:p>
@@ -3784,12 +3784,12 @@
               <a:buChar char=""/>
             </a:pPr>
             <a:r>
-              <a:rPr b="0" lang="en-IE" sz="2000" spc="-1" strike="noStrike">
+              <a:rPr b="0" lang="en-IE" sz="1800" spc="-1" strike="noStrike">
                 <a:latin typeface="Arial"/>
               </a:rPr>
               <a:t>Seventh Outline Level</a:t>
             </a:r>
-            <a:endParaRPr b="0" lang="en-IE" sz="2000" spc="-1" strike="noStrike">
+            <a:endParaRPr b="0" lang="en-IE" sz="1800" spc="-1" strike="noStrike">
               <a:latin typeface="Arial"/>
             </a:endParaRPr>
           </a:p>
@@ -3841,7 +3841,7 @@
         <p:spPr>
           <a:xfrm>
             <a:off x="504000" y="226080"/>
-            <a:ext cx="9071280" cy="946080"/>
+            <a:ext cx="9070920" cy="945720"/>
           </a:xfrm>
           <a:prstGeom prst="rect">
             <a:avLst/>
@@ -3867,7 +3867,11 @@
             </a:pPr>
             <a:r>
               <a:rPr b="0" lang="en-IE" sz="4400" spc="-1" strike="noStrike">
-                <a:latin typeface="Arial"/>
+                <a:solidFill>
+                  <a:srgbClr val="000000"/>
+                </a:solidFill>
+                <a:latin typeface="Arial"/>
+                <a:ea typeface="DejaVu Sans"/>
               </a:rPr>
               <a:t>Ger’s Garage WebSystem</a:t>
             </a:r>
@@ -3886,7 +3890,7 @@
         <p:spPr>
           <a:xfrm>
             <a:off x="504000" y="1326600"/>
-            <a:ext cx="9071280" cy="3287880"/>
+            <a:ext cx="9070920" cy="3287520"/>
           </a:xfrm>
           <a:prstGeom prst="rect">
             <a:avLst/>
@@ -3912,7 +3916,11 @@
             </a:pPr>
             <a:r>
               <a:rPr b="0" lang="en-IE" sz="3200" spc="-1" strike="noStrike">
-                <a:latin typeface="Arial"/>
+                <a:solidFill>
+                  <a:srgbClr val="000000"/>
+                </a:solidFill>
+                <a:latin typeface="Arial"/>
+                <a:ea typeface="DejaVu Sans"/>
               </a:rPr>
               <a:t>Eduardo Kenji Zen Nakashima</a:t>
             </a:r>
@@ -3928,7 +3936,11 @@
             </a:pPr>
             <a:r>
               <a:rPr b="0" lang="en-IE" sz="3200" spc="-1" strike="noStrike">
-                <a:latin typeface="Arial"/>
+                <a:solidFill>
+                  <a:srgbClr val="000000"/>
+                </a:solidFill>
+                <a:latin typeface="Arial"/>
+                <a:ea typeface="DejaVu Sans"/>
               </a:rPr>
               <a:t>SB18004</a:t>
             </a:r>
@@ -4004,7 +4016,7 @@
         <p:spPr>
           <a:xfrm>
             <a:off x="379800" y="1371600"/>
-            <a:ext cx="9146160" cy="3474360"/>
+            <a:ext cx="9268200" cy="3474000"/>
           </a:xfrm>
           <a:custGeom>
             <a:avLst/>
@@ -4101,7 +4113,7 @@
         <p:spPr>
           <a:xfrm>
             <a:off x="504000" y="226080"/>
-            <a:ext cx="9071280" cy="946080"/>
+            <a:ext cx="9070920" cy="945720"/>
           </a:xfrm>
           <a:prstGeom prst="rect">
             <a:avLst/>
@@ -4127,6 +4139,9 @@
             </a:pPr>
             <a:r>
               <a:rPr b="0" lang="en-IE" sz="2800" spc="-1" strike="noStrike">
+                <a:solidFill>
+                  <a:srgbClr val="000000"/>
+                </a:solidFill>
                 <a:latin typeface="Arial"/>
                 <a:ea typeface="Microsoft YaHei"/>
               </a:rPr>
@@ -4135,6 +4150,9 @@
             <a:br/>
             <a:r>
               <a:rPr b="1" i="1" lang="en-IE" sz="2800" spc="-1" strike="noStrike">
+                <a:solidFill>
+                  <a:srgbClr val="000000"/>
+                </a:solidFill>
                 <a:latin typeface="Arial"/>
                 <a:ea typeface="Microsoft YaHei"/>
               </a:rPr>
@@ -4155,7 +4173,7 @@
         <p:spPr>
           <a:xfrm>
             <a:off x="5029200" y="226440"/>
-            <a:ext cx="4546440" cy="946080"/>
+            <a:ext cx="4546080" cy="945720"/>
           </a:xfrm>
           <a:prstGeom prst="rect">
             <a:avLst/>
@@ -4181,7 +4199,11 @@
             </a:pPr>
             <a:r>
               <a:rPr b="0" lang="en-IE" sz="2400" spc="-1" strike="noStrike">
-                <a:latin typeface="Arial"/>
+                <a:solidFill>
+                  <a:srgbClr val="000000"/>
+                </a:solidFill>
+                <a:latin typeface="Arial"/>
+                <a:ea typeface="DejaVu Sans"/>
               </a:rPr>
               <a:t>Eduardo Nakashima</a:t>
             </a:r>
@@ -4197,7 +4219,11 @@
             </a:pPr>
             <a:r>
               <a:rPr b="0" lang="en-IE" sz="2400" spc="-1" strike="noStrike">
-                <a:latin typeface="Arial"/>
+                <a:solidFill>
+                  <a:srgbClr val="000000"/>
+                </a:solidFill>
+                <a:latin typeface="Arial"/>
+                <a:ea typeface="DejaVu Sans"/>
               </a:rPr>
               <a:t>SB18004</a:t>
             </a:r>
@@ -4216,7 +4242,7 @@
         <p:spPr>
           <a:xfrm>
             <a:off x="457200" y="1895040"/>
-            <a:ext cx="1462680" cy="1096920"/>
+            <a:ext cx="1462320" cy="1096560"/>
           </a:xfrm>
           <a:custGeom>
             <a:avLst/>
@@ -4429,7 +4455,7 @@
         <p:spPr>
           <a:xfrm>
             <a:off x="2486160" y="3998160"/>
-            <a:ext cx="1462680" cy="365400"/>
+            <a:ext cx="1462320" cy="365040"/>
           </a:xfrm>
           <a:custGeom>
             <a:avLst/>
@@ -4526,7 +4552,7 @@
         <p:spPr>
           <a:xfrm>
             <a:off x="2486160" y="3175200"/>
-            <a:ext cx="1462680" cy="365400"/>
+            <a:ext cx="1462320" cy="365040"/>
           </a:xfrm>
           <a:custGeom>
             <a:avLst/>
@@ -4622,8 +4648,8 @@
         </p:nvSpPr>
         <p:spPr>
           <a:xfrm>
-            <a:off x="4258800" y="3538440"/>
-            <a:ext cx="1462680" cy="365400"/>
+            <a:off x="4330800" y="3538440"/>
+            <a:ext cx="1462320" cy="365040"/>
           </a:xfrm>
           <a:custGeom>
             <a:avLst/>
@@ -4719,8 +4745,8 @@
         </p:nvSpPr>
         <p:spPr>
           <a:xfrm>
-            <a:off x="6005520" y="3374640"/>
-            <a:ext cx="1462680" cy="246600"/>
+            <a:off x="6113520" y="3374640"/>
+            <a:ext cx="1462320" cy="246240"/>
           </a:xfrm>
           <a:custGeom>
             <a:avLst/>
@@ -4900,8 +4926,8 @@
         </p:nvSpPr>
         <p:spPr>
           <a:xfrm>
-            <a:off x="6003360" y="3804480"/>
-            <a:ext cx="1462680" cy="246600"/>
+            <a:off x="6111360" y="3804480"/>
+            <a:ext cx="1462320" cy="246240"/>
           </a:xfrm>
           <a:custGeom>
             <a:avLst/>
@@ -5025,8 +5051,8 @@
         </p:nvSpPr>
         <p:spPr>
           <a:xfrm>
-            <a:off x="7877520" y="3597840"/>
-            <a:ext cx="1462680" cy="246600"/>
+            <a:off x="7985520" y="3597840"/>
+            <a:ext cx="1462320" cy="246240"/>
           </a:xfrm>
           <a:custGeom>
             <a:avLst/>
@@ -5178,7 +5204,7 @@
         <p:spPr>
           <a:xfrm>
             <a:off x="2468880" y="1463040"/>
-            <a:ext cx="2194200" cy="1188360"/>
+            <a:ext cx="2193840" cy="1188000"/>
           </a:xfrm>
           <a:prstGeom prst="rect">
             <a:avLst/>
@@ -5284,12 +5310,12 @@
           </a:p>
         </p:txBody>
       </p:sp>
-      <p:cxnSp>
-        <p:nvCxnSpPr>
+      <p:sp>
+        <p:nvSpPr>
           <p:cNvPr id="65" name="Line 20"/>
-          <p:cNvCxnSpPr/>
+          <p:cNvSpPr/>
           <p:nvPr/>
-        </p:nvCxnSpPr>
+        </p:nvSpPr>
         <p:spPr>
           <a:xfrm>
             <a:off x="0" y="0"/>
@@ -5304,13 +5330,19 @@
             </a:solidFill>
           </a:ln>
         </p:spPr>
-      </p:cxnSp>
-      <p:cxnSp>
-        <p:nvCxnSpPr>
+        <p:style>
+          <a:lnRef idx="0"/>
+          <a:fillRef idx="0"/>
+          <a:effectRef idx="0"/>
+          <a:fontRef idx="minor"/>
+        </p:style>
+      </p:sp>
+      <p:sp>
+        <p:nvSpPr>
           <p:cNvPr id="66" name="Line 21"/>
-          <p:cNvCxnSpPr/>
+          <p:cNvSpPr/>
           <p:nvPr/>
-        </p:nvCxnSpPr>
+        </p:nvSpPr>
         <p:spPr>
           <a:xfrm>
             <a:off x="0" y="0"/>
@@ -5325,13 +5357,19 @@
             </a:solidFill>
           </a:ln>
         </p:spPr>
-      </p:cxnSp>
-      <p:cxnSp>
-        <p:nvCxnSpPr>
+        <p:style>
+          <a:lnRef idx="0"/>
+          <a:fillRef idx="0"/>
+          <a:effectRef idx="0"/>
+          <a:fontRef idx="minor"/>
+        </p:style>
+      </p:sp>
+      <p:sp>
+        <p:nvSpPr>
           <p:cNvPr id="67" name="Line 22"/>
-          <p:cNvCxnSpPr/>
+          <p:cNvSpPr/>
           <p:nvPr/>
-        </p:nvCxnSpPr>
+        </p:nvSpPr>
         <p:spPr>
           <a:xfrm>
             <a:off x="0" y="0"/>
@@ -5346,13 +5384,19 @@
             </a:solidFill>
           </a:ln>
         </p:spPr>
-      </p:cxnSp>
-      <p:cxnSp>
-        <p:nvCxnSpPr>
+        <p:style>
+          <a:lnRef idx="0"/>
+          <a:fillRef idx="0"/>
+          <a:effectRef idx="0"/>
+          <a:fontRef idx="minor"/>
+        </p:style>
+      </p:sp>
+      <p:sp>
+        <p:nvSpPr>
           <p:cNvPr id="68" name="Line 23"/>
-          <p:cNvCxnSpPr/>
+          <p:cNvSpPr/>
           <p:nvPr/>
-        </p:nvCxnSpPr>
+        </p:nvSpPr>
         <p:spPr>
           <a:xfrm>
             <a:off x="0" y="0"/>
@@ -5367,13 +5411,19 @@
             </a:solidFill>
           </a:ln>
         </p:spPr>
-      </p:cxnSp>
-      <p:cxnSp>
-        <p:nvCxnSpPr>
+        <p:style>
+          <a:lnRef idx="0"/>
+          <a:fillRef idx="0"/>
+          <a:effectRef idx="0"/>
+          <a:fontRef idx="minor"/>
+        </p:style>
+      </p:sp>
+      <p:sp>
+        <p:nvSpPr>
           <p:cNvPr id="69" name="Line 24"/>
-          <p:cNvCxnSpPr/>
+          <p:cNvSpPr/>
           <p:nvPr/>
-        </p:nvCxnSpPr>
+        </p:nvSpPr>
         <p:spPr>
           <a:xfrm>
             <a:off x="0" y="0"/>
@@ -5388,13 +5438,19 @@
             </a:solidFill>
           </a:ln>
         </p:spPr>
-      </p:cxnSp>
-      <p:cxnSp>
-        <p:nvCxnSpPr>
+        <p:style>
+          <a:lnRef idx="0"/>
+          <a:fillRef idx="0"/>
+          <a:effectRef idx="0"/>
+          <a:fontRef idx="minor"/>
+        </p:style>
+      </p:sp>
+      <p:sp>
+        <p:nvSpPr>
           <p:cNvPr id="70" name="Line 25"/>
-          <p:cNvCxnSpPr/>
+          <p:cNvSpPr/>
           <p:nvPr/>
-        </p:nvCxnSpPr>
+        </p:nvSpPr>
         <p:spPr>
           <a:xfrm>
             <a:off x="0" y="0"/>
@@ -5409,13 +5465,19 @@
             </a:solidFill>
           </a:ln>
         </p:spPr>
-      </p:cxnSp>
-      <p:cxnSp>
-        <p:nvCxnSpPr>
+        <p:style>
+          <a:lnRef idx="0"/>
+          <a:fillRef idx="0"/>
+          <a:effectRef idx="0"/>
+          <a:fontRef idx="minor"/>
+        </p:style>
+      </p:sp>
+      <p:sp>
+        <p:nvSpPr>
           <p:cNvPr id="71" name="Line 26"/>
-          <p:cNvCxnSpPr/>
+          <p:cNvSpPr/>
           <p:nvPr/>
-        </p:nvCxnSpPr>
+        </p:nvSpPr>
         <p:spPr>
           <a:xfrm>
             <a:off x="0" y="0"/>
@@ -5430,13 +5492,19 @@
             </a:solidFill>
           </a:ln>
         </p:spPr>
-      </p:cxnSp>
-      <p:cxnSp>
-        <p:nvCxnSpPr>
+        <p:style>
+          <a:lnRef idx="0"/>
+          <a:fillRef idx="0"/>
+          <a:effectRef idx="0"/>
+          <a:fontRef idx="minor"/>
+        </p:style>
+      </p:sp>
+      <p:sp>
+        <p:nvSpPr>
           <p:cNvPr id="72" name="Line 27"/>
-          <p:cNvCxnSpPr/>
+          <p:cNvSpPr/>
           <p:nvPr/>
-        </p:nvCxnSpPr>
+        </p:nvSpPr>
         <p:spPr>
           <a:xfrm>
             <a:off x="0" y="0"/>
@@ -5451,7 +5519,13 @@
             </a:solidFill>
           </a:ln>
         </p:spPr>
-      </p:cxnSp>
+        <p:style>
+          <a:lnRef idx="0"/>
+          <a:fillRef idx="0"/>
+          <a:effectRef idx="0"/>
+          <a:fontRef idx="minor"/>
+        </p:style>
+      </p:sp>
       <p:sp>
         <p:nvSpPr>
           <p:cNvPr id="73" name="CustomShape 28"/>
@@ -5461,13 +5535,13 @@
         <p:spPr>
           <a:xfrm>
             <a:off x="936000" y="4464000"/>
-            <a:ext cx="8352000" cy="262800"/>
+            <a:ext cx="8351640" cy="262440"/>
           </a:xfrm>
           <a:custGeom>
             <a:avLst/>
             <a:gdLst/>
             <a:ahLst/>
-            <a:rect l="0" t="0" r="r" b="b"/>
+            <a:rect l="l" t="t" r="r" b="b"/>
             <a:pathLst>
               <a:path w="23202" h="732">
                 <a:moveTo>
@@ -5522,13 +5596,13 @@
         <p:spPr>
           <a:xfrm>
             <a:off x="936360" y="4858560"/>
-            <a:ext cx="8352000" cy="263160"/>
+            <a:ext cx="8351640" cy="262800"/>
           </a:xfrm>
           <a:custGeom>
             <a:avLst/>
             <a:gdLst/>
             <a:ahLst/>
-            <a:rect l="0" t="0" r="r" b="b"/>
+            <a:rect l="l" t="t" r="r" b="b"/>
             <a:pathLst>
               <a:path w="23202" h="733">
                 <a:moveTo>
@@ -5583,13 +5657,13 @@
         <p:spPr>
           <a:xfrm>
             <a:off x="936360" y="5209200"/>
-            <a:ext cx="8352000" cy="262800"/>
+            <a:ext cx="8351640" cy="262440"/>
           </a:xfrm>
           <a:custGeom>
             <a:avLst/>
             <a:gdLst/>
             <a:ahLst/>
-            <a:rect l="0" t="0" r="r" b="b"/>
+            <a:rect l="l" t="t" r="r" b="b"/>
             <a:pathLst>
               <a:path w="23202" h="732">
                 <a:moveTo>
@@ -5635,6 +5709,174 @@
           <a:fontRef idx="minor"/>
         </p:style>
       </p:sp>
+      <p:cxnSp>
+        <p:nvCxnSpPr>
+          <p:cNvPr id="76" name="Line 31"/>
+          <p:cNvCxnSpPr/>
+          <p:nvPr/>
+        </p:nvCxnSpPr>
+        <p:spPr>
+          <a:xfrm>
+            <a:off x="0" y="0"/>
+            <a:ext cx="360" cy="360"/>
+          </a:xfrm>
+          <a:prstGeom prst="line">
+            <a:avLst/>
+          </a:prstGeom>
+          <a:ln>
+            <a:solidFill>
+              <a:srgbClr val="3465a4"/>
+            </a:solidFill>
+          </a:ln>
+        </p:spPr>
+      </p:cxnSp>
+      <p:cxnSp>
+        <p:nvCxnSpPr>
+          <p:cNvPr id="77" name="Line 32"/>
+          <p:cNvCxnSpPr/>
+          <p:nvPr/>
+        </p:nvCxnSpPr>
+        <p:spPr>
+          <a:xfrm>
+            <a:off x="0" y="0"/>
+            <a:ext cx="360" cy="360"/>
+          </a:xfrm>
+          <a:prstGeom prst="line">
+            <a:avLst/>
+          </a:prstGeom>
+          <a:ln>
+            <a:solidFill>
+              <a:srgbClr val="3465a4"/>
+            </a:solidFill>
+          </a:ln>
+        </p:spPr>
+      </p:cxnSp>
+      <p:cxnSp>
+        <p:nvCxnSpPr>
+          <p:cNvPr id="78" name="Line 33"/>
+          <p:cNvCxnSpPr/>
+          <p:nvPr/>
+        </p:nvCxnSpPr>
+        <p:spPr>
+          <a:xfrm>
+            <a:off x="0" y="0"/>
+            <a:ext cx="360" cy="360"/>
+          </a:xfrm>
+          <a:prstGeom prst="line">
+            <a:avLst/>
+          </a:prstGeom>
+          <a:ln>
+            <a:solidFill>
+              <a:srgbClr val="3465a4"/>
+            </a:solidFill>
+          </a:ln>
+        </p:spPr>
+      </p:cxnSp>
+      <p:cxnSp>
+        <p:nvCxnSpPr>
+          <p:cNvPr id="79" name="Line 34"/>
+          <p:cNvCxnSpPr/>
+          <p:nvPr/>
+        </p:nvCxnSpPr>
+        <p:spPr>
+          <a:xfrm>
+            <a:off x="0" y="0"/>
+            <a:ext cx="360" cy="360"/>
+          </a:xfrm>
+          <a:prstGeom prst="line">
+            <a:avLst/>
+          </a:prstGeom>
+          <a:ln>
+            <a:solidFill>
+              <a:srgbClr val="3465a4"/>
+            </a:solidFill>
+          </a:ln>
+        </p:spPr>
+      </p:cxnSp>
+      <p:cxnSp>
+        <p:nvCxnSpPr>
+          <p:cNvPr id="80" name="Line 35"/>
+          <p:cNvCxnSpPr/>
+          <p:nvPr/>
+        </p:nvCxnSpPr>
+        <p:spPr>
+          <a:xfrm>
+            <a:off x="0" y="0"/>
+            <a:ext cx="360" cy="360"/>
+          </a:xfrm>
+          <a:prstGeom prst="line">
+            <a:avLst/>
+          </a:prstGeom>
+          <a:ln>
+            <a:solidFill>
+              <a:srgbClr val="3465a4"/>
+            </a:solidFill>
+          </a:ln>
+        </p:spPr>
+      </p:cxnSp>
+      <p:cxnSp>
+        <p:nvCxnSpPr>
+          <p:cNvPr id="81" name="Line 36"/>
+          <p:cNvCxnSpPr/>
+          <p:nvPr/>
+        </p:nvCxnSpPr>
+        <p:spPr>
+          <a:xfrm>
+            <a:off x="0" y="0"/>
+            <a:ext cx="360" cy="360"/>
+          </a:xfrm>
+          <a:prstGeom prst="line">
+            <a:avLst/>
+          </a:prstGeom>
+          <a:ln>
+            <a:solidFill>
+              <a:srgbClr val="3465a4"/>
+            </a:solidFill>
+          </a:ln>
+        </p:spPr>
+      </p:cxnSp>
+      <p:cxnSp>
+        <p:nvCxnSpPr>
+          <p:cNvPr id="82" name="Line 37"/>
+          <p:cNvCxnSpPr/>
+          <p:nvPr/>
+        </p:nvCxnSpPr>
+        <p:spPr>
+          <a:xfrm>
+            <a:off x="0" y="0"/>
+            <a:ext cx="360" cy="360"/>
+          </a:xfrm>
+          <a:prstGeom prst="line">
+            <a:avLst/>
+          </a:prstGeom>
+          <a:ln>
+            <a:solidFill>
+              <a:srgbClr val="3465a4"/>
+            </a:solidFill>
+          </a:ln>
+        </p:spPr>
+      </p:cxnSp>
+      <p:cxnSp>
+        <p:nvCxnSpPr>
+          <p:cNvPr id="83" name="Line 38"/>
+          <p:cNvCxnSpPr/>
+          <p:nvPr/>
+        </p:nvCxnSpPr>
+        <p:spPr>
+          <a:xfrm>
+            <a:off x="0" y="0"/>
+            <a:ext cx="360" cy="360"/>
+          </a:xfrm>
+          <a:prstGeom prst="line">
+            <a:avLst/>
+          </a:prstGeom>
+          <a:ln>
+            <a:solidFill>
+              <a:srgbClr val="3465a4"/>
+            </a:solidFill>
+          </a:ln>
+        </p:spPr>
+      </p:cxnSp>
     </p:spTree>
   </p:cSld>
   <mc:AlternateContent>
@@ -5694,14 +5936,14 @@
       </p:grpSpPr>
       <p:sp>
         <p:nvSpPr>
-          <p:cNvPr id="76" name="CustomShape 1"/>
+          <p:cNvPr id="84" name="CustomShape 1"/>
           <p:cNvSpPr/>
           <p:nvPr/>
         </p:nvSpPr>
         <p:spPr>
           <a:xfrm>
             <a:off x="504000" y="226080"/>
-            <a:ext cx="9071280" cy="946080"/>
+            <a:ext cx="9070920" cy="945720"/>
           </a:xfrm>
           <a:prstGeom prst="rect">
             <a:avLst/>
@@ -5727,6 +5969,9 @@
             </a:pPr>
             <a:r>
               <a:rPr b="0" lang="en-IE" sz="2800" spc="-1" strike="noStrike">
+                <a:solidFill>
+                  <a:srgbClr val="000000"/>
+                </a:solidFill>
                 <a:latin typeface="Arial"/>
                 <a:ea typeface="Microsoft YaHei"/>
               </a:rPr>
@@ -5735,6 +5980,9 @@
             <a:br/>
             <a:r>
               <a:rPr b="1" i="1" lang="en-IE" sz="2800" spc="-1" strike="noStrike">
+                <a:solidFill>
+                  <a:srgbClr val="000000"/>
+                </a:solidFill>
                 <a:latin typeface="Arial"/>
                 <a:ea typeface="Microsoft YaHei"/>
               </a:rPr>
@@ -5748,14 +5996,14 @@
       </p:sp>
       <p:sp>
         <p:nvSpPr>
-          <p:cNvPr id="77" name="CustomShape 2"/>
+          <p:cNvPr id="85" name="CustomShape 2"/>
           <p:cNvSpPr/>
           <p:nvPr/>
         </p:nvSpPr>
         <p:spPr>
           <a:xfrm>
             <a:off x="504000" y="1326600"/>
-            <a:ext cx="9071280" cy="3287880"/>
+            <a:ext cx="9070920" cy="3287520"/>
           </a:xfrm>
           <a:prstGeom prst="rect">
             <a:avLst/>
@@ -5774,14 +6022,14 @@
       </p:sp>
       <p:sp>
         <p:nvSpPr>
-          <p:cNvPr id="78" name="CustomShape 3"/>
+          <p:cNvPr id="86" name="CustomShape 3"/>
           <p:cNvSpPr/>
           <p:nvPr/>
         </p:nvSpPr>
         <p:spPr>
           <a:xfrm>
             <a:off x="5029200" y="226440"/>
-            <a:ext cx="4546440" cy="946080"/>
+            <a:ext cx="4546080" cy="945720"/>
           </a:xfrm>
           <a:prstGeom prst="rect">
             <a:avLst/>
@@ -5807,7 +6055,11 @@
             </a:pPr>
             <a:r>
               <a:rPr b="0" lang="en-IE" sz="2400" spc="-1" strike="noStrike">
-                <a:latin typeface="Arial"/>
+                <a:solidFill>
+                  <a:srgbClr val="000000"/>
+                </a:solidFill>
+                <a:latin typeface="Arial"/>
+                <a:ea typeface="DejaVu Sans"/>
               </a:rPr>
               <a:t>Eduardo Nakashima</a:t>
             </a:r>
@@ -5823,7 +6075,11 @@
             </a:pPr>
             <a:r>
               <a:rPr b="0" lang="en-IE" sz="2400" spc="-1" strike="noStrike">
-                <a:latin typeface="Arial"/>
+                <a:solidFill>
+                  <a:srgbClr val="000000"/>
+                </a:solidFill>
+                <a:latin typeface="Arial"/>
+                <a:ea typeface="DejaVu Sans"/>
               </a:rPr>
               <a:t>SB18004</a:t>
             </a:r>
@@ -5835,7 +6091,7 @@
       </p:sp>
       <p:pic>
         <p:nvPicPr>
-          <p:cNvPr id="79" name="" descr=""/>
+          <p:cNvPr id="87" name="" descr=""/>
           <p:cNvPicPr/>
           <p:nvPr/>
         </p:nvPicPr>
@@ -5846,7 +6102,7 @@
         <p:spPr>
           <a:xfrm>
             <a:off x="226440" y="1317240"/>
-            <a:ext cx="9709560" cy="3850200"/>
+            <a:ext cx="9709200" cy="3849840"/>
           </a:xfrm>
           <a:prstGeom prst="rect">
             <a:avLst/>
@@ -5915,14 +6171,14 @@
       </p:grpSpPr>
       <p:sp>
         <p:nvSpPr>
-          <p:cNvPr id="80" name="CustomShape 1"/>
+          <p:cNvPr id="88" name="CustomShape 1"/>
           <p:cNvSpPr/>
           <p:nvPr/>
         </p:nvSpPr>
         <p:spPr>
           <a:xfrm>
             <a:off x="504000" y="226080"/>
-            <a:ext cx="9071280" cy="946080"/>
+            <a:ext cx="9070920" cy="945720"/>
           </a:xfrm>
           <a:prstGeom prst="rect">
             <a:avLst/>
@@ -5948,6 +6204,9 @@
             </a:pPr>
             <a:r>
               <a:rPr b="0" lang="en-IE" sz="2800" spc="-1" strike="noStrike">
+                <a:solidFill>
+                  <a:srgbClr val="000000"/>
+                </a:solidFill>
                 <a:latin typeface="Arial"/>
                 <a:ea typeface="Microsoft YaHei"/>
               </a:rPr>
@@ -5956,6 +6215,9 @@
             <a:br/>
             <a:r>
               <a:rPr b="1" i="1" lang="en-IE" sz="2800" spc="-1" strike="noStrike">
+                <a:solidFill>
+                  <a:srgbClr val="000000"/>
+                </a:solidFill>
                 <a:latin typeface="Arial"/>
                 <a:ea typeface="Microsoft YaHei"/>
               </a:rPr>
@@ -5969,14 +6231,14 @@
       </p:sp>
       <p:sp>
         <p:nvSpPr>
-          <p:cNvPr id="81" name="CustomShape 2"/>
+          <p:cNvPr id="89" name="CustomShape 2"/>
           <p:cNvSpPr/>
           <p:nvPr/>
         </p:nvSpPr>
         <p:spPr>
           <a:xfrm>
             <a:off x="5029200" y="226440"/>
-            <a:ext cx="4546440" cy="946080"/>
+            <a:ext cx="4546080" cy="945720"/>
           </a:xfrm>
           <a:prstGeom prst="rect">
             <a:avLst/>
@@ -6002,7 +6264,11 @@
             </a:pPr>
             <a:r>
               <a:rPr b="0" lang="en-IE" sz="2400" spc="-1" strike="noStrike">
-                <a:latin typeface="Arial"/>
+                <a:solidFill>
+                  <a:srgbClr val="000000"/>
+                </a:solidFill>
+                <a:latin typeface="Arial"/>
+                <a:ea typeface="DejaVu Sans"/>
               </a:rPr>
               <a:t>Eduardo Nakashima</a:t>
             </a:r>
@@ -6018,7 +6284,11 @@
             </a:pPr>
             <a:r>
               <a:rPr b="0" lang="en-IE" sz="2400" spc="-1" strike="noStrike">
-                <a:latin typeface="Arial"/>
+                <a:solidFill>
+                  <a:srgbClr val="000000"/>
+                </a:solidFill>
+                <a:latin typeface="Arial"/>
+                <a:ea typeface="DejaVu Sans"/>
               </a:rPr>
               <a:t>SB18004</a:t>
             </a:r>
@@ -6030,14 +6300,14 @@
       </p:sp>
       <p:sp>
         <p:nvSpPr>
-          <p:cNvPr id="82" name="CustomShape 3"/>
+          <p:cNvPr id="90" name="CustomShape 3"/>
           <p:cNvSpPr/>
           <p:nvPr/>
         </p:nvSpPr>
         <p:spPr>
           <a:xfrm>
             <a:off x="720000" y="1440000"/>
-            <a:ext cx="5040000" cy="482760"/>
+            <a:ext cx="5039640" cy="482400"/>
           </a:xfrm>
           <a:prstGeom prst="rect">
             <a:avLst/>
@@ -6085,14 +6355,14 @@
       </p:sp>
       <p:sp>
         <p:nvSpPr>
-          <p:cNvPr id="83" name="CustomShape 4"/>
+          <p:cNvPr id="91" name="CustomShape 4"/>
           <p:cNvSpPr/>
           <p:nvPr/>
         </p:nvSpPr>
         <p:spPr>
           <a:xfrm>
             <a:off x="720000" y="1994760"/>
-            <a:ext cx="5039640" cy="482760"/>
+            <a:ext cx="5039280" cy="482400"/>
           </a:xfrm>
           <a:prstGeom prst="rect">
             <a:avLst/>
@@ -6140,14 +6410,14 @@
       </p:sp>
       <p:sp>
         <p:nvSpPr>
-          <p:cNvPr id="84" name="CustomShape 5"/>
+          <p:cNvPr id="92" name="CustomShape 5"/>
           <p:cNvSpPr/>
           <p:nvPr/>
         </p:nvSpPr>
         <p:spPr>
           <a:xfrm>
             <a:off x="720000" y="2570760"/>
-            <a:ext cx="5040000" cy="482760"/>
+            <a:ext cx="5039640" cy="482400"/>
           </a:xfrm>
           <a:prstGeom prst="rect">
             <a:avLst/>
@@ -6195,14 +6465,14 @@
       </p:sp>
       <p:sp>
         <p:nvSpPr>
-          <p:cNvPr id="85" name="CustomShape 6"/>
+          <p:cNvPr id="93" name="CustomShape 6"/>
           <p:cNvSpPr/>
           <p:nvPr/>
         </p:nvSpPr>
         <p:spPr>
           <a:xfrm>
             <a:off x="720000" y="3657240"/>
-            <a:ext cx="5040000" cy="482760"/>
+            <a:ext cx="5039640" cy="482400"/>
           </a:xfrm>
           <a:prstGeom prst="rect">
             <a:avLst/>
@@ -6250,14 +6520,14 @@
       </p:sp>
       <p:sp>
         <p:nvSpPr>
-          <p:cNvPr id="86" name="CustomShape 7"/>
+          <p:cNvPr id="94" name="CustomShape 7"/>
           <p:cNvSpPr/>
           <p:nvPr/>
         </p:nvSpPr>
         <p:spPr>
           <a:xfrm>
             <a:off x="720000" y="4212000"/>
-            <a:ext cx="5039640" cy="482760"/>
+            <a:ext cx="5039280" cy="482400"/>
           </a:xfrm>
           <a:prstGeom prst="rect">
             <a:avLst/>
@@ -6305,14 +6575,14 @@
       </p:sp>
       <p:sp>
         <p:nvSpPr>
-          <p:cNvPr id="87" name="CustomShape 8"/>
+          <p:cNvPr id="95" name="CustomShape 8"/>
           <p:cNvSpPr/>
           <p:nvPr/>
         </p:nvSpPr>
         <p:spPr>
           <a:xfrm>
             <a:off x="720000" y="4752000"/>
-            <a:ext cx="5040000" cy="482760"/>
+            <a:ext cx="5039640" cy="482400"/>
           </a:xfrm>
           <a:prstGeom prst="rect">
             <a:avLst/>
@@ -6360,14 +6630,14 @@
       </p:sp>
       <p:sp>
         <p:nvSpPr>
-          <p:cNvPr id="88" name="CustomShape 9"/>
+          <p:cNvPr id="96" name="CustomShape 9"/>
           <p:cNvSpPr/>
           <p:nvPr/>
         </p:nvSpPr>
         <p:spPr>
           <a:xfrm>
             <a:off x="720000" y="3110760"/>
-            <a:ext cx="5040000" cy="482760"/>
+            <a:ext cx="5039640" cy="482400"/>
           </a:xfrm>
           <a:prstGeom prst="rect">
             <a:avLst/>
@@ -6415,14 +6685,14 @@
       </p:sp>
       <p:sp>
         <p:nvSpPr>
-          <p:cNvPr id="89" name="CustomShape 10"/>
+          <p:cNvPr id="97" name="CustomShape 10"/>
           <p:cNvSpPr/>
           <p:nvPr/>
         </p:nvSpPr>
         <p:spPr>
           <a:xfrm>
             <a:off x="5904000" y="1440000"/>
-            <a:ext cx="3816000" cy="482760"/>
+            <a:ext cx="3815640" cy="482400"/>
           </a:xfrm>
           <a:prstGeom prst="rect">
             <a:avLst/>
@@ -6470,14 +6740,14 @@
       </p:sp>
       <p:sp>
         <p:nvSpPr>
-          <p:cNvPr id="90" name="CustomShape 11"/>
+          <p:cNvPr id="98" name="CustomShape 11"/>
           <p:cNvSpPr/>
           <p:nvPr/>
         </p:nvSpPr>
         <p:spPr>
           <a:xfrm>
             <a:off x="5904000" y="1994760"/>
-            <a:ext cx="3816000" cy="482760"/>
+            <a:ext cx="3815640" cy="482400"/>
           </a:xfrm>
           <a:prstGeom prst="rect">
             <a:avLst/>
@@ -6525,14 +6795,14 @@
       </p:sp>
       <p:sp>
         <p:nvSpPr>
-          <p:cNvPr id="91" name="CustomShape 12"/>
+          <p:cNvPr id="99" name="CustomShape 12"/>
           <p:cNvSpPr/>
           <p:nvPr/>
         </p:nvSpPr>
         <p:spPr>
           <a:xfrm>
             <a:off x="5904000" y="2570760"/>
-            <a:ext cx="3816000" cy="482760"/>
+            <a:ext cx="3815640" cy="482400"/>
           </a:xfrm>
           <a:prstGeom prst="rect">
             <a:avLst/>
@@ -6637,14 +6907,14 @@
       </p:grpSpPr>
       <p:sp>
         <p:nvSpPr>
-          <p:cNvPr id="92" name="CustomShape 1"/>
+          <p:cNvPr id="100" name="CustomShape 1"/>
           <p:cNvSpPr/>
           <p:nvPr/>
         </p:nvSpPr>
         <p:spPr>
           <a:xfrm>
             <a:off x="504000" y="226080"/>
-            <a:ext cx="9071280" cy="946080"/>
+            <a:ext cx="9070920" cy="945720"/>
           </a:xfrm>
           <a:prstGeom prst="rect">
             <a:avLst/>
@@ -6670,6 +6940,9 @@
             </a:pPr>
             <a:r>
               <a:rPr b="0" lang="en-IE" sz="2800" spc="-1" strike="noStrike">
+                <a:solidFill>
+                  <a:srgbClr val="000000"/>
+                </a:solidFill>
                 <a:latin typeface="Arial"/>
                 <a:ea typeface="Microsoft YaHei"/>
               </a:rPr>
@@ -6678,6 +6951,9 @@
             <a:br/>
             <a:r>
               <a:rPr b="1" i="1" lang="en-IE" sz="2800" spc="-1" strike="noStrike">
+                <a:solidFill>
+                  <a:srgbClr val="000000"/>
+                </a:solidFill>
                 <a:latin typeface="Arial"/>
                 <a:ea typeface="Microsoft YaHei"/>
               </a:rPr>
@@ -6691,14 +6967,14 @@
       </p:sp>
       <p:sp>
         <p:nvSpPr>
-          <p:cNvPr id="93" name="CustomShape 2"/>
+          <p:cNvPr id="101" name="CustomShape 2"/>
           <p:cNvSpPr/>
           <p:nvPr/>
         </p:nvSpPr>
         <p:spPr>
           <a:xfrm>
             <a:off x="5029200" y="226440"/>
-            <a:ext cx="4546440" cy="946080"/>
+            <a:ext cx="4546080" cy="945720"/>
           </a:xfrm>
           <a:prstGeom prst="rect">
             <a:avLst/>
@@ -6724,7 +7000,11 @@
             </a:pPr>
             <a:r>
               <a:rPr b="0" lang="en-IE" sz="2400" spc="-1" strike="noStrike">
-                <a:latin typeface="Arial"/>
+                <a:solidFill>
+                  <a:srgbClr val="000000"/>
+                </a:solidFill>
+                <a:latin typeface="Arial"/>
+                <a:ea typeface="DejaVu Sans"/>
               </a:rPr>
               <a:t>Eduardo Nakashima</a:t>
             </a:r>
@@ -6740,7 +7020,11 @@
             </a:pPr>
             <a:r>
               <a:rPr b="0" lang="en-IE" sz="2400" spc="-1" strike="noStrike">
-                <a:latin typeface="Arial"/>
+                <a:solidFill>
+                  <a:srgbClr val="000000"/>
+                </a:solidFill>
+                <a:latin typeface="Arial"/>
+                <a:ea typeface="DejaVu Sans"/>
               </a:rPr>
               <a:t>SB18004</a:t>
             </a:r>
@@ -6752,14 +7036,14 @@
       </p:sp>
       <p:sp>
         <p:nvSpPr>
-          <p:cNvPr id="94" name="CustomShape 3"/>
+          <p:cNvPr id="102" name="CustomShape 3"/>
           <p:cNvSpPr/>
           <p:nvPr/>
         </p:nvSpPr>
         <p:spPr>
           <a:xfrm>
             <a:off x="734040" y="1427040"/>
-            <a:ext cx="5040000" cy="482760"/>
+            <a:ext cx="5039640" cy="482400"/>
           </a:xfrm>
           <a:prstGeom prst="rect">
             <a:avLst/>
@@ -6807,14 +7091,14 @@
       </p:sp>
       <p:sp>
         <p:nvSpPr>
-          <p:cNvPr id="95" name="CustomShape 4"/>
+          <p:cNvPr id="103" name="CustomShape 4"/>
           <p:cNvSpPr/>
           <p:nvPr/>
         </p:nvSpPr>
         <p:spPr>
           <a:xfrm>
             <a:off x="734040" y="2008080"/>
-            <a:ext cx="5040000" cy="482760"/>
+            <a:ext cx="5039640" cy="482400"/>
           </a:xfrm>
           <a:prstGeom prst="rect">
             <a:avLst/>
@@ -6862,14 +7146,14 @@
       </p:sp>
       <p:sp>
         <p:nvSpPr>
-          <p:cNvPr id="96" name="CustomShape 5"/>
+          <p:cNvPr id="104" name="CustomShape 5"/>
           <p:cNvSpPr/>
           <p:nvPr/>
         </p:nvSpPr>
         <p:spPr>
           <a:xfrm>
             <a:off x="734040" y="2574000"/>
-            <a:ext cx="5040000" cy="482760"/>
+            <a:ext cx="5039640" cy="482400"/>
           </a:xfrm>
           <a:prstGeom prst="rect">
             <a:avLst/>
@@ -6917,14 +7201,14 @@
       </p:sp>
       <p:sp>
         <p:nvSpPr>
-          <p:cNvPr id="97" name="CustomShape 6"/>
+          <p:cNvPr id="105" name="CustomShape 6"/>
           <p:cNvSpPr/>
           <p:nvPr/>
         </p:nvSpPr>
         <p:spPr>
           <a:xfrm>
             <a:off x="734040" y="3155040"/>
-            <a:ext cx="5040000" cy="482760"/>
+            <a:ext cx="5039640" cy="482400"/>
           </a:xfrm>
           <a:prstGeom prst="rect">
             <a:avLst/>
@@ -6972,14 +7256,14 @@
       </p:sp>
       <p:sp>
         <p:nvSpPr>
-          <p:cNvPr id="98" name="CustomShape 7"/>
+          <p:cNvPr id="106" name="CustomShape 7"/>
           <p:cNvSpPr/>
           <p:nvPr/>
         </p:nvSpPr>
         <p:spPr>
           <a:xfrm>
             <a:off x="734040" y="3709800"/>
-            <a:ext cx="5022720" cy="482760"/>
+            <a:ext cx="5022360" cy="482400"/>
           </a:xfrm>
           <a:prstGeom prst="rect">
             <a:avLst/>
@@ -7027,14 +7311,14 @@
       </p:sp>
       <p:sp>
         <p:nvSpPr>
-          <p:cNvPr id="99" name="CustomShape 8"/>
+          <p:cNvPr id="107" name="CustomShape 8"/>
           <p:cNvSpPr/>
           <p:nvPr/>
         </p:nvSpPr>
         <p:spPr>
           <a:xfrm>
             <a:off x="734040" y="4290840"/>
-            <a:ext cx="5022720" cy="482760"/>
+            <a:ext cx="5022360" cy="482400"/>
           </a:xfrm>
           <a:prstGeom prst="rect">
             <a:avLst/>
@@ -7082,14 +7366,14 @@
       </p:sp>
       <p:sp>
         <p:nvSpPr>
-          <p:cNvPr id="100" name="CustomShape 9"/>
+          <p:cNvPr id="108" name="CustomShape 9"/>
           <p:cNvSpPr/>
           <p:nvPr/>
         </p:nvSpPr>
         <p:spPr>
           <a:xfrm>
             <a:off x="734040" y="4856760"/>
-            <a:ext cx="5022720" cy="482760"/>
+            <a:ext cx="5022360" cy="482400"/>
           </a:xfrm>
           <a:prstGeom prst="rect">
             <a:avLst/>
@@ -7137,14 +7421,14 @@
       </p:sp>
       <p:sp>
         <p:nvSpPr>
-          <p:cNvPr id="101" name="CustomShape 10"/>
+          <p:cNvPr id="109" name="CustomShape 10"/>
           <p:cNvSpPr/>
           <p:nvPr/>
         </p:nvSpPr>
         <p:spPr>
           <a:xfrm>
             <a:off x="5904000" y="1427040"/>
-            <a:ext cx="3830040" cy="482760"/>
+            <a:ext cx="3829680" cy="482400"/>
           </a:xfrm>
           <a:prstGeom prst="rect">
             <a:avLst/>
@@ -7192,14 +7476,14 @@
       </p:sp>
       <p:sp>
         <p:nvSpPr>
-          <p:cNvPr id="102" name="CustomShape 11"/>
+          <p:cNvPr id="110" name="CustomShape 11"/>
           <p:cNvSpPr/>
           <p:nvPr/>
         </p:nvSpPr>
         <p:spPr>
           <a:xfrm>
-            <a:off x="5904000" y="2016000"/>
-            <a:ext cx="3816000" cy="3312000"/>
+            <a:off x="5904000" y="2592000"/>
+            <a:ext cx="3815640" cy="2735640"/>
           </a:xfrm>
           <a:prstGeom prst="rect">
             <a:avLst/>
@@ -7288,6 +7572,61 @@
                 <a:ea typeface="DejaVu Sans"/>
               </a:rPr>
               <a:t>Test &amp; Dev – 2634 times</a:t>
+            </a:r>
+            <a:endParaRPr b="0" lang="en-IE" sz="1800" spc="-1" strike="noStrike">
+              <a:latin typeface="Arial"/>
+            </a:endParaRPr>
+          </a:p>
+        </p:txBody>
+      </p:sp>
+      <p:sp>
+        <p:nvSpPr>
+          <p:cNvPr id="111" name="CustomShape 12"/>
+          <p:cNvSpPr/>
+          <p:nvPr/>
+        </p:nvSpPr>
+        <p:spPr>
+          <a:xfrm>
+            <a:off x="5904000" y="2008080"/>
+            <a:ext cx="3829680" cy="482400"/>
+          </a:xfrm>
+          <a:prstGeom prst="rect">
+            <a:avLst/>
+          </a:prstGeom>
+          <a:solidFill>
+            <a:srgbClr val="ff3838">
+              <a:alpha val="50000"/>
+            </a:srgbClr>
+          </a:solidFill>
+          <a:ln>
+            <a:solidFill>
+              <a:srgbClr val="3465a4"/>
+            </a:solidFill>
+          </a:ln>
+        </p:spPr>
+        <p:style>
+          <a:lnRef idx="0"/>
+          <a:fillRef idx="0"/>
+          <a:effectRef idx="0"/>
+          <a:fontRef idx="minor"/>
+        </p:style>
+        <p:txBody>
+          <a:bodyPr wrap="none" lIns="90000" rIns="90000" tIns="45000" bIns="45000" anchor="ctr"/>
+          <a:p>
+            <a:pPr algn="ctr">
+              <a:lnSpc>
+                <a:spcPct val="100000"/>
+              </a:lnSpc>
+            </a:pPr>
+            <a:r>
+              <a:rPr b="0" lang="en-IE" sz="1800" spc="-1" strike="noStrike">
+                <a:solidFill>
+                  <a:srgbClr val="000000"/>
+                </a:solidFill>
+                <a:latin typeface="Arial"/>
+                <a:ea typeface="DejaVu Sans"/>
+              </a:rPr>
+              <a:t>Hash security log in – 6 hours</a:t>
             </a:r>
             <a:endParaRPr b="0" lang="en-IE" sz="1800" spc="-1" strike="noStrike">
               <a:latin typeface="Arial"/>
@@ -7354,14 +7693,14 @@
       </p:grpSpPr>
       <p:sp>
         <p:nvSpPr>
-          <p:cNvPr id="103" name="CustomShape 1"/>
+          <p:cNvPr id="112" name="CustomShape 1"/>
           <p:cNvSpPr/>
           <p:nvPr/>
         </p:nvSpPr>
         <p:spPr>
           <a:xfrm>
             <a:off x="504000" y="226080"/>
-            <a:ext cx="9071280" cy="946080"/>
+            <a:ext cx="9070920" cy="945720"/>
           </a:xfrm>
           <a:prstGeom prst="rect">
             <a:avLst/>
@@ -7387,6 +7726,9 @@
             </a:pPr>
             <a:r>
               <a:rPr b="0" lang="en-IE" sz="2800" spc="-1" strike="noStrike">
+                <a:solidFill>
+                  <a:srgbClr val="000000"/>
+                </a:solidFill>
                 <a:latin typeface="Arial"/>
                 <a:ea typeface="Microsoft YaHei"/>
               </a:rPr>
@@ -7395,6 +7737,9 @@
             <a:br/>
             <a:r>
               <a:rPr b="1" i="1" lang="en-IE" sz="2800" spc="-1" strike="noStrike">
+                <a:solidFill>
+                  <a:srgbClr val="000000"/>
+                </a:solidFill>
                 <a:latin typeface="Arial"/>
                 <a:ea typeface="Microsoft YaHei"/>
               </a:rPr>
@@ -7408,14 +7753,14 @@
       </p:sp>
       <p:sp>
         <p:nvSpPr>
-          <p:cNvPr id="104" name="CustomShape 2"/>
+          <p:cNvPr id="113" name="CustomShape 2"/>
           <p:cNvSpPr/>
           <p:nvPr/>
         </p:nvSpPr>
         <p:spPr>
           <a:xfrm>
             <a:off x="5029200" y="226440"/>
-            <a:ext cx="4546440" cy="946080"/>
+            <a:ext cx="4546080" cy="945720"/>
           </a:xfrm>
           <a:prstGeom prst="rect">
             <a:avLst/>
@@ -7441,7 +7786,11 @@
             </a:pPr>
             <a:r>
               <a:rPr b="0" lang="en-IE" sz="2400" spc="-1" strike="noStrike">
-                <a:latin typeface="Arial"/>
+                <a:solidFill>
+                  <a:srgbClr val="000000"/>
+                </a:solidFill>
+                <a:latin typeface="Arial"/>
+                <a:ea typeface="DejaVu Sans"/>
               </a:rPr>
               <a:t>Eduardo Nakashima</a:t>
             </a:r>
@@ -7457,7 +7806,11 @@
             </a:pPr>
             <a:r>
               <a:rPr b="0" lang="en-IE" sz="2400" spc="-1" strike="noStrike">
-                <a:latin typeface="Arial"/>
+                <a:solidFill>
+                  <a:srgbClr val="000000"/>
+                </a:solidFill>
+                <a:latin typeface="Arial"/>
+                <a:ea typeface="DejaVu Sans"/>
               </a:rPr>
               <a:t>SB18004</a:t>
             </a:r>
@@ -7469,14 +7822,14 @@
       </p:sp>
       <p:sp>
         <p:nvSpPr>
-          <p:cNvPr id="105" name="CustomShape 3"/>
+          <p:cNvPr id="114" name="CustomShape 3"/>
           <p:cNvSpPr/>
           <p:nvPr/>
         </p:nvSpPr>
         <p:spPr>
           <a:xfrm>
             <a:off x="720360" y="1425240"/>
-            <a:ext cx="5039640" cy="482760"/>
+            <a:ext cx="5039280" cy="482400"/>
           </a:xfrm>
           <a:prstGeom prst="rect">
             <a:avLst/>
@@ -7524,14 +7877,14 @@
       </p:sp>
       <p:sp>
         <p:nvSpPr>
-          <p:cNvPr id="106" name="CustomShape 4"/>
+          <p:cNvPr id="115" name="CustomShape 4"/>
           <p:cNvSpPr/>
           <p:nvPr/>
         </p:nvSpPr>
         <p:spPr>
           <a:xfrm>
             <a:off x="720000" y="2016000"/>
-            <a:ext cx="5039640" cy="482760"/>
+            <a:ext cx="5039280" cy="482400"/>
           </a:xfrm>
           <a:prstGeom prst="rect">
             <a:avLst/>
@@ -7579,14 +7932,14 @@
       </p:sp>
       <p:sp>
         <p:nvSpPr>
-          <p:cNvPr id="107" name="CustomShape 5"/>
+          <p:cNvPr id="116" name="CustomShape 5"/>
           <p:cNvSpPr/>
           <p:nvPr/>
         </p:nvSpPr>
         <p:spPr>
           <a:xfrm>
             <a:off x="720360" y="2592000"/>
-            <a:ext cx="5039640" cy="482760"/>
+            <a:ext cx="5039280" cy="482400"/>
           </a:xfrm>
           <a:prstGeom prst="rect">
             <a:avLst/>
@@ -7634,14 +7987,14 @@
       </p:sp>
       <p:sp>
         <p:nvSpPr>
-          <p:cNvPr id="108" name="CustomShape 6"/>
+          <p:cNvPr id="117" name="CustomShape 6"/>
           <p:cNvSpPr/>
           <p:nvPr/>
         </p:nvSpPr>
         <p:spPr>
           <a:xfrm>
             <a:off x="720360" y="3174480"/>
-            <a:ext cx="5039640" cy="482760"/>
+            <a:ext cx="5039280" cy="482400"/>
           </a:xfrm>
           <a:prstGeom prst="rect">
             <a:avLst/>
@@ -7689,14 +8042,14 @@
       </p:sp>
       <p:sp>
         <p:nvSpPr>
-          <p:cNvPr id="109" name="CustomShape 7"/>
+          <p:cNvPr id="118" name="CustomShape 7"/>
           <p:cNvSpPr/>
           <p:nvPr/>
         </p:nvSpPr>
         <p:spPr>
           <a:xfrm>
             <a:off x="720000" y="3765240"/>
-            <a:ext cx="5039640" cy="482760"/>
+            <a:ext cx="5039280" cy="482400"/>
           </a:xfrm>
           <a:prstGeom prst="rect">
             <a:avLst/>
@@ -7744,14 +8097,14 @@
       </p:sp>
       <p:sp>
         <p:nvSpPr>
-          <p:cNvPr id="110" name="CustomShape 8"/>
+          <p:cNvPr id="119" name="CustomShape 8"/>
           <p:cNvSpPr/>
           <p:nvPr/>
         </p:nvSpPr>
         <p:spPr>
           <a:xfrm>
             <a:off x="720360" y="4341240"/>
-            <a:ext cx="5039640" cy="482760"/>
+            <a:ext cx="5039280" cy="482400"/>
           </a:xfrm>
           <a:prstGeom prst="rect">
             <a:avLst/>
@@ -7799,14 +8152,14 @@
       </p:sp>
       <p:sp>
         <p:nvSpPr>
-          <p:cNvPr id="111" name="CustomShape 9"/>
+          <p:cNvPr id="120" name="CustomShape 9"/>
           <p:cNvSpPr/>
           <p:nvPr/>
         </p:nvSpPr>
         <p:spPr>
           <a:xfrm>
             <a:off x="5897880" y="1440000"/>
-            <a:ext cx="3822120" cy="3385440"/>
+            <a:ext cx="3821760" cy="3385080"/>
           </a:xfrm>
           <a:prstGeom prst="rect">
             <a:avLst/>

--- a/ProjectDocs/Final Presentation.pptx
+++ b/ProjectDocs/Final Presentation.pptx
@@ -232,7 +232,7 @@
           <a:bodyPr lIns="0" rIns="0" tIns="0" bIns="0" anchor="b"/>
           <a:p>
             <a:pPr algn="r"/>
-            <a:fld id="{B0E5120D-A6E0-4B84-A10A-3C62692669D5}" type="slidenum">
+            <a:fld id="{2F6A099C-5818-4407-841E-CBDF84710804}" type="slidenum">
               <a:rPr b="0" lang="en-IE" sz="1400" spc="-1" strike="noStrike">
                 <a:latin typeface="Times New Roman"/>
               </a:rPr>
@@ -7246,7 +7246,7 @@
                 <a:latin typeface="Arial"/>
                 <a:ea typeface="DejaVu Sans"/>
               </a:rPr>
-              <a:t>PHP functions – 8 hours </a:t>
+              <a:t>PHP functions – 8 hours</a:t>
             </a:r>
             <a:endParaRPr b="0" lang="en-IE" sz="1800" spc="-1" strike="noStrike">
               <a:latin typeface="Arial"/>
